--- a/Comp4447_Final_Project.pptx
+++ b/Comp4447_Final_Project.pptx
@@ -118,13 +118,18 @@
       </a:defRPr>
     </a:lvl9pPr>
   </p:defaultTextStyle>
+  <p:extLst>
+    <p:ext uri="{EFAFB233-063F-42B5-8137-9DF3F51BA10A}">
+      <p15:sldGuideLst xmlns:p15="http://schemas.microsoft.com/office/powerpoint/2012/main"/>
+    </p:ext>
+  </p:extLst>
 </p:presentation>
 </file>
 
 <file path=ppt/revisionInfo.xml><?xml version="1.0" encoding="utf-8"?>
 <p1510:revInfo xmlns:a="http://schemas.openxmlformats.org/drawingml/2006/main" xmlns:r="http://schemas.openxmlformats.org/officeDocument/2006/relationships" xmlns:p1510="http://schemas.microsoft.com/office/powerpoint/2015/10/main">
   <p1510:revLst>
-    <p1510:client id="{D7918EB4-1494-4DD7-B847-E774AD952CA9}" v="13" dt="2024-11-11T02:34:23.838"/>
+    <p1510:client id="{D7918EB4-1494-4DD7-B847-E774AD952CA9}" v="14" dt="2024-11-11T03:23:02.771"/>
   </p1510:revLst>
 </p1510:revInfo>
 </file>
@@ -134,7 +139,7 @@
   <pc:docChgLst>
     <pc:chgData name="Paul Scheidt" userId="05335f0704d0b909" providerId="LiveId" clId="{D7918EB4-1494-4DD7-B847-E774AD952CA9}"/>
     <pc:docChg chg="undo custSel addSld delSld modSld sldOrd">
-      <pc:chgData name="Paul Scheidt" userId="05335f0704d0b909" providerId="LiveId" clId="{D7918EB4-1494-4DD7-B847-E774AD952CA9}" dt="2024-11-11T02:59:17.682" v="1664" actId="20577"/>
+      <pc:chgData name="Paul Scheidt" userId="05335f0704d0b909" providerId="LiveId" clId="{D7918EB4-1494-4DD7-B847-E774AD952CA9}" dt="2024-11-11T03:28:28.663" v="1745" actId="20577"/>
       <pc:docMkLst>
         <pc:docMk/>
       </pc:docMkLst>
@@ -405,14 +410,14 @@
           </ac:picMkLst>
         </pc:picChg>
       </pc:sldChg>
-      <pc:sldChg chg="modSp new mod ord">
-        <pc:chgData name="Paul Scheidt" userId="05335f0704d0b909" providerId="LiveId" clId="{D7918EB4-1494-4DD7-B847-E774AD952CA9}" dt="2024-11-11T02:59:17.682" v="1664" actId="20577"/>
+      <pc:sldChg chg="addSp modSp new mod ord">
+        <pc:chgData name="Paul Scheidt" userId="05335f0704d0b909" providerId="LiveId" clId="{D7918EB4-1494-4DD7-B847-E774AD952CA9}" dt="2024-11-11T03:25:10.960" v="1737" actId="20577"/>
         <pc:sldMkLst>
           <pc:docMk/>
           <pc:sldMk cId="1001789763" sldId="264"/>
         </pc:sldMkLst>
         <pc:spChg chg="mod">
-          <ac:chgData name="Paul Scheidt" userId="05335f0704d0b909" providerId="LiveId" clId="{D7918EB4-1494-4DD7-B847-E774AD952CA9}" dt="2024-11-11T02:36:43.192" v="305" actId="20577"/>
+          <ac:chgData name="Paul Scheidt" userId="05335f0704d0b909" providerId="LiveId" clId="{D7918EB4-1494-4DD7-B847-E774AD952CA9}" dt="2024-11-11T03:25:10.960" v="1737" actId="20577"/>
           <ac:spMkLst>
             <pc:docMk/>
             <pc:sldMk cId="1001789763" sldId="264"/>
@@ -420,13 +425,29 @@
           </ac:spMkLst>
         </pc:spChg>
         <pc:spChg chg="mod">
-          <ac:chgData name="Paul Scheidt" userId="05335f0704d0b909" providerId="LiveId" clId="{D7918EB4-1494-4DD7-B847-E774AD952CA9}" dt="2024-11-11T02:59:17.682" v="1664" actId="20577"/>
+          <ac:chgData name="Paul Scheidt" userId="05335f0704d0b909" providerId="LiveId" clId="{D7918EB4-1494-4DD7-B847-E774AD952CA9}" dt="2024-11-11T03:22:06.094" v="1712" actId="20577"/>
           <ac:spMkLst>
             <pc:docMk/>
             <pc:sldMk cId="1001789763" sldId="264"/>
             <ac:spMk id="3" creationId="{4320E6CC-3AA3-08CF-EDE5-6ACB26FE5C88}"/>
           </ac:spMkLst>
         </pc:spChg>
+        <pc:picChg chg="add mod">
+          <ac:chgData name="Paul Scheidt" userId="05335f0704d0b909" providerId="LiveId" clId="{D7918EB4-1494-4DD7-B847-E774AD952CA9}" dt="2024-11-11T03:22:56.076" v="1716" actId="1076"/>
+          <ac:picMkLst>
+            <pc:docMk/>
+            <pc:sldMk cId="1001789763" sldId="264"/>
+            <ac:picMk id="5" creationId="{D8EC36B5-3D01-3E20-955E-D1B1FF160590}"/>
+          </ac:picMkLst>
+        </pc:picChg>
+        <pc:picChg chg="add mod">
+          <ac:chgData name="Paul Scheidt" userId="05335f0704d0b909" providerId="LiveId" clId="{D7918EB4-1494-4DD7-B847-E774AD952CA9}" dt="2024-11-11T03:23:06.675" v="1719" actId="1076"/>
+          <ac:picMkLst>
+            <pc:docMk/>
+            <pc:sldMk cId="1001789763" sldId="264"/>
+            <ac:picMk id="6" creationId="{A0494977-B369-4E81-C9F0-FD094859F3BD}"/>
+          </ac:picMkLst>
+        </pc:picChg>
       </pc:sldChg>
       <pc:sldChg chg="modSp new mod">
         <pc:chgData name="Paul Scheidt" userId="05335f0704d0b909" providerId="LiveId" clId="{D7918EB4-1494-4DD7-B847-E774AD952CA9}" dt="2024-11-11T02:37:05.465" v="313" actId="20577"/>
@@ -459,7 +480,7 @@
         </pc:spChg>
       </pc:sldChg>
       <pc:sldChg chg="modSp new mod">
-        <pc:chgData name="Paul Scheidt" userId="05335f0704d0b909" providerId="LiveId" clId="{D7918EB4-1494-4DD7-B847-E774AD952CA9}" dt="2024-11-11T02:46:30.750" v="840" actId="15"/>
+        <pc:chgData name="Paul Scheidt" userId="05335f0704d0b909" providerId="LiveId" clId="{D7918EB4-1494-4DD7-B847-E774AD952CA9}" dt="2024-11-11T03:28:28.663" v="1745" actId="20577"/>
         <pc:sldMkLst>
           <pc:docMk/>
           <pc:sldMk cId="1745899327" sldId="267"/>
@@ -473,7 +494,7 @@
           </ac:spMkLst>
         </pc:spChg>
         <pc:spChg chg="mod">
-          <ac:chgData name="Paul Scheidt" userId="05335f0704d0b909" providerId="LiveId" clId="{D7918EB4-1494-4DD7-B847-E774AD952CA9}" dt="2024-11-11T02:46:30.750" v="840" actId="15"/>
+          <ac:chgData name="Paul Scheidt" userId="05335f0704d0b909" providerId="LiveId" clId="{D7918EB4-1494-4DD7-B847-E774AD952CA9}" dt="2024-11-11T03:28:28.663" v="1745" actId="20577"/>
           <ac:spMkLst>
             <pc:docMk/>
             <pc:sldMk cId="1745899327" sldId="267"/>
@@ -7017,6 +7038,14 @@
           <a:p>
             <a:pPr lvl="1"/>
             <a:r>
+              <a:rPr lang="en-US" dirty="0" err="1"/>
+              <a:t>Sklearn</a:t>
+            </a:r>
+            <a:endParaRPr lang="en-US" dirty="0"/>
+          </a:p>
+          <a:p>
+            <a:pPr lvl="1"/>
+            <a:r>
               <a:rPr lang="en-US" dirty="0"/>
               <a:t>Google </a:t>
             </a:r>
@@ -9044,7 +9073,7 @@
           <a:p>
             <a:r>
               <a:rPr lang="en-US" dirty="0"/>
-              <a:t>Key Insights</a:t>
+              <a:t>Key Insights – Baseline Model</a:t>
             </a:r>
           </a:p>
         </p:txBody>
@@ -9072,16 +9101,71 @@
           <a:p>
             <a:r>
               <a:rPr lang="en-US" dirty="0"/>
-              <a:t>Baseline Model Classification </a:t>
-            </a:r>
-            <a:r>
-              <a:rPr lang="en-US"/>
-              <a:t>Perfromance</a:t>
-            </a:r>
-            <a:endParaRPr lang="en-US" dirty="0"/>
-          </a:p>
-        </p:txBody>
-      </p:sp>
+              <a:t>Confusion Matrix on Classification Performance</a:t>
+            </a:r>
+          </a:p>
+        </p:txBody>
+      </p:sp>
+      <p:pic>
+        <p:nvPicPr>
+          <p:cNvPr id="5" name="Picture 4">
+            <a:extLst>
+              <a:ext uri="{FF2B5EF4-FFF2-40B4-BE49-F238E27FC236}">
+                <a16:creationId xmlns:a16="http://schemas.microsoft.com/office/drawing/2014/main" id="{D8EC36B5-3D01-3E20-955E-D1B1FF160590}"/>
+              </a:ext>
+            </a:extLst>
+          </p:cNvPr>
+          <p:cNvPicPr>
+            <a:picLocks noChangeAspect="1"/>
+          </p:cNvPicPr>
+          <p:nvPr/>
+        </p:nvPicPr>
+        <p:blipFill>
+          <a:blip r:embed="rId2"/>
+          <a:stretch>
+            <a:fillRect/>
+          </a:stretch>
+        </p:blipFill>
+        <p:spPr>
+          <a:xfrm>
+            <a:off x="1182420" y="2636371"/>
+            <a:ext cx="4916598" cy="4004911"/>
+          </a:xfrm>
+          <a:prstGeom prst="rect">
+            <a:avLst/>
+          </a:prstGeom>
+        </p:spPr>
+      </p:pic>
+      <p:pic>
+        <p:nvPicPr>
+          <p:cNvPr id="6" name="Picture 5">
+            <a:extLst>
+              <a:ext uri="{FF2B5EF4-FFF2-40B4-BE49-F238E27FC236}">
+                <a16:creationId xmlns:a16="http://schemas.microsoft.com/office/drawing/2014/main" id="{A0494977-B369-4E81-C9F0-FD094859F3BD}"/>
+              </a:ext>
+            </a:extLst>
+          </p:cNvPr>
+          <p:cNvPicPr>
+            <a:picLocks noChangeAspect="1"/>
+          </p:cNvPicPr>
+          <p:nvPr/>
+        </p:nvPicPr>
+        <p:blipFill>
+          <a:blip r:embed="rId3"/>
+          <a:stretch>
+            <a:fillRect/>
+          </a:stretch>
+        </p:blipFill>
+        <p:spPr>
+          <a:xfrm>
+            <a:off x="6394982" y="2636371"/>
+            <a:ext cx="4614598" cy="4004912"/>
+          </a:xfrm>
+          <a:prstGeom prst="rect">
+            <a:avLst/>
+          </a:prstGeom>
+        </p:spPr>
+      </p:pic>
     </p:spTree>
     <p:extLst>
       <p:ext uri="{BB962C8B-B14F-4D97-AF65-F5344CB8AC3E}">

--- a/Comp4447_Final_Project.pptx
+++ b/Comp4447_Final_Project.pptx
@@ -129,7 +129,7 @@
 <file path=ppt/revisionInfo.xml><?xml version="1.0" encoding="utf-8"?>
 <p1510:revInfo xmlns:a="http://schemas.openxmlformats.org/drawingml/2006/main" xmlns:r="http://schemas.openxmlformats.org/officeDocument/2006/relationships" xmlns:p1510="http://schemas.microsoft.com/office/powerpoint/2015/10/main">
   <p1510:revLst>
-    <p1510:client id="{D7918EB4-1494-4DD7-B847-E774AD952CA9}" v="14" dt="2024-11-11T03:23:02.771"/>
+    <p1510:client id="{D7918EB4-1494-4DD7-B847-E774AD952CA9}" v="15" dt="2024-11-11T04:40:54.929"/>
   </p1510:revLst>
 </p1510:revInfo>
 </file>
@@ -139,7 +139,7 @@
   <pc:docChgLst>
     <pc:chgData name="Paul Scheidt" userId="05335f0704d0b909" providerId="LiveId" clId="{D7918EB4-1494-4DD7-B847-E774AD952CA9}"/>
     <pc:docChg chg="undo custSel addSld delSld modSld sldOrd">
-      <pc:chgData name="Paul Scheidt" userId="05335f0704d0b909" providerId="LiveId" clId="{D7918EB4-1494-4DD7-B847-E774AD952CA9}" dt="2024-11-11T03:28:28.663" v="1745" actId="20577"/>
+      <pc:chgData name="Paul Scheidt" userId="05335f0704d0b909" providerId="LiveId" clId="{D7918EB4-1494-4DD7-B847-E774AD952CA9}" dt="2024-11-11T05:55:12.596" v="1856" actId="14100"/>
       <pc:docMkLst>
         <pc:docMk/>
       </pc:docMkLst>
@@ -464,8 +464,8 @@
           </ac:spMkLst>
         </pc:spChg>
       </pc:sldChg>
-      <pc:sldChg chg="modSp new mod">
-        <pc:chgData name="Paul Scheidt" userId="05335f0704d0b909" providerId="LiveId" clId="{D7918EB4-1494-4DD7-B847-E774AD952CA9}" dt="2024-11-11T02:43:49.604" v="616" actId="20577"/>
+      <pc:sldChg chg="addSp delSp modSp new mod">
+        <pc:chgData name="Paul Scheidt" userId="05335f0704d0b909" providerId="LiveId" clId="{D7918EB4-1494-4DD7-B847-E774AD952CA9}" dt="2024-11-11T05:55:12.596" v="1856" actId="14100"/>
         <pc:sldMkLst>
           <pc:docMk/>
           <pc:sldMk cId="362912804" sldId="266"/>
@@ -478,6 +478,94 @@
             <ac:spMk id="2" creationId="{35CC6889-2C75-9B2C-6F97-E85EB4113A05}"/>
           </ac:spMkLst>
         </pc:spChg>
+        <pc:spChg chg="del">
+          <ac:chgData name="Paul Scheidt" userId="05335f0704d0b909" providerId="LiveId" clId="{D7918EB4-1494-4DD7-B847-E774AD952CA9}" dt="2024-11-11T04:40:21.345" v="1746" actId="22"/>
+          <ac:spMkLst>
+            <pc:docMk/>
+            <pc:sldMk cId="362912804" sldId="266"/>
+            <ac:spMk id="3" creationId="{98334B3A-277F-358F-7E54-4BA8F6B75408}"/>
+          </ac:spMkLst>
+        </pc:spChg>
+        <pc:spChg chg="add mod">
+          <ac:chgData name="Paul Scheidt" userId="05335f0704d0b909" providerId="LiveId" clId="{D7918EB4-1494-4DD7-B847-E774AD952CA9}" dt="2024-11-11T04:41:26.015" v="1810" actId="20577"/>
+          <ac:spMkLst>
+            <pc:docMk/>
+            <pc:sldMk cId="362912804" sldId="266"/>
+            <ac:spMk id="6" creationId="{833E8236-E4B7-4D71-AD29-3C035B5CA995}"/>
+          </ac:spMkLst>
+        </pc:spChg>
+        <pc:picChg chg="add mod ord">
+          <ac:chgData name="Paul Scheidt" userId="05335f0704d0b909" providerId="LiveId" clId="{D7918EB4-1494-4DD7-B847-E774AD952CA9}" dt="2024-11-11T04:40:42.516" v="1748" actId="1076"/>
+          <ac:picMkLst>
+            <pc:docMk/>
+            <pc:sldMk cId="362912804" sldId="266"/>
+            <ac:picMk id="5" creationId="{5275BFD9-3567-ECF9-5740-0EC5EDE89067}"/>
+          </ac:picMkLst>
+        </pc:picChg>
+        <pc:picChg chg="add del mod">
+          <ac:chgData name="Paul Scheidt" userId="05335f0704d0b909" providerId="LiveId" clId="{D7918EB4-1494-4DD7-B847-E774AD952CA9}" dt="2024-11-11T04:55:35.326" v="1815" actId="478"/>
+          <ac:picMkLst>
+            <pc:docMk/>
+            <pc:sldMk cId="362912804" sldId="266"/>
+            <ac:picMk id="8" creationId="{05E43C85-B8EC-0C20-1597-6D64381EA6FD}"/>
+          </ac:picMkLst>
+        </pc:picChg>
+        <pc:picChg chg="add del mod">
+          <ac:chgData name="Paul Scheidt" userId="05335f0704d0b909" providerId="LiveId" clId="{D7918EB4-1494-4DD7-B847-E774AD952CA9}" dt="2024-11-11T05:51:54.620" v="1829" actId="478"/>
+          <ac:picMkLst>
+            <pc:docMk/>
+            <pc:sldMk cId="362912804" sldId="266"/>
+            <ac:picMk id="10" creationId="{27209634-50CD-D3C3-A7A3-6CB123F47D52}"/>
+          </ac:picMkLst>
+        </pc:picChg>
+        <pc:picChg chg="add del mod">
+          <ac:chgData name="Paul Scheidt" userId="05335f0704d0b909" providerId="LiveId" clId="{D7918EB4-1494-4DD7-B847-E774AD952CA9}" dt="2024-11-11T05:51:55.871" v="1831" actId="478"/>
+          <ac:picMkLst>
+            <pc:docMk/>
+            <pc:sldMk cId="362912804" sldId="266"/>
+            <ac:picMk id="12" creationId="{DE382288-919E-960F-1727-BBF2F423C94C}"/>
+          </ac:picMkLst>
+        </pc:picChg>
+        <pc:picChg chg="add del mod">
+          <ac:chgData name="Paul Scheidt" userId="05335f0704d0b909" providerId="LiveId" clId="{D7918EB4-1494-4DD7-B847-E774AD952CA9}" dt="2024-11-11T05:51:55.392" v="1830" actId="478"/>
+          <ac:picMkLst>
+            <pc:docMk/>
+            <pc:sldMk cId="362912804" sldId="266"/>
+            <ac:picMk id="14" creationId="{EBF5D996-DE88-1F81-EBAC-1C39A066A44E}"/>
+          </ac:picMkLst>
+        </pc:picChg>
+        <pc:picChg chg="add mod">
+          <ac:chgData name="Paul Scheidt" userId="05335f0704d0b909" providerId="LiveId" clId="{D7918EB4-1494-4DD7-B847-E774AD952CA9}" dt="2024-11-11T05:54:25.565" v="1848" actId="14100"/>
+          <ac:picMkLst>
+            <pc:docMk/>
+            <pc:sldMk cId="362912804" sldId="266"/>
+            <ac:picMk id="16" creationId="{89EF0698-CFCD-6E38-1C78-B9253F07387D}"/>
+          </ac:picMkLst>
+        </pc:picChg>
+        <pc:picChg chg="add mod">
+          <ac:chgData name="Paul Scheidt" userId="05335f0704d0b909" providerId="LiveId" clId="{D7918EB4-1494-4DD7-B847-E774AD952CA9}" dt="2024-11-11T05:54:37.533" v="1850" actId="1076"/>
+          <ac:picMkLst>
+            <pc:docMk/>
+            <pc:sldMk cId="362912804" sldId="266"/>
+            <ac:picMk id="18" creationId="{BE064DB0-E409-9818-F376-1AA88D5DF30E}"/>
+          </ac:picMkLst>
+        </pc:picChg>
+        <pc:picChg chg="add mod">
+          <ac:chgData name="Paul Scheidt" userId="05335f0704d0b909" providerId="LiveId" clId="{D7918EB4-1494-4DD7-B847-E774AD952CA9}" dt="2024-11-11T05:54:34.431" v="1849" actId="1076"/>
+          <ac:picMkLst>
+            <pc:docMk/>
+            <pc:sldMk cId="362912804" sldId="266"/>
+            <ac:picMk id="20" creationId="{7999FC3D-CEE0-5405-1D1D-3BB078C9A551}"/>
+          </ac:picMkLst>
+        </pc:picChg>
+        <pc:picChg chg="add mod">
+          <ac:chgData name="Paul Scheidt" userId="05335f0704d0b909" providerId="LiveId" clId="{D7918EB4-1494-4DD7-B847-E774AD952CA9}" dt="2024-11-11T05:55:12.596" v="1856" actId="14100"/>
+          <ac:picMkLst>
+            <pc:docMk/>
+            <pc:sldMk cId="362912804" sldId="266"/>
+            <ac:picMk id="22" creationId="{78B0F471-356C-8307-D8B7-FB3E55DB67E6}"/>
+          </ac:picMkLst>
+        </pc:picChg>
       </pc:sldChg>
       <pc:sldChg chg="modSp new mod">
         <pc:chgData name="Paul Scheidt" userId="05335f0704d0b909" providerId="LiveId" clId="{D7918EB4-1494-4DD7-B847-E774AD952CA9}" dt="2024-11-11T03:28:28.663" v="1745" actId="20577"/>
@@ -9224,31 +9312,417 @@
           </a:p>
         </p:txBody>
       </p:sp>
-      <p:sp>
-        <p:nvSpPr>
-          <p:cNvPr id="3" name="Content Placeholder 2">
+      <p:pic>
+        <p:nvPicPr>
+          <p:cNvPr id="5" name="Content Placeholder 4">
             <a:extLst>
               <a:ext uri="{FF2B5EF4-FFF2-40B4-BE49-F238E27FC236}">
-                <a16:creationId xmlns:a16="http://schemas.microsoft.com/office/drawing/2014/main" id="{98334B3A-277F-358F-7E54-4BA8F6B75408}"/>
+                <a16:creationId xmlns:a16="http://schemas.microsoft.com/office/drawing/2014/main" id="{5275BFD9-3567-ECF9-5740-0EC5EDE89067}"/>
               </a:ext>
             </a:extLst>
           </p:cNvPr>
-          <p:cNvSpPr>
-            <a:spLocks noGrp="1"/>
-          </p:cNvSpPr>
+          <p:cNvPicPr>
+            <a:picLocks noGrp="1" noChangeAspect="1"/>
+          </p:cNvPicPr>
           <p:nvPr>
             <p:ph idx="1"/>
           </p:nvPr>
-        </p:nvSpPr>
-        <p:spPr/>
-        <p:txBody>
-          <a:bodyPr/>
-          <a:lstStyle/>
-          <a:p>
-            <a:endParaRPr lang="en-US"/>
-          </a:p>
-        </p:txBody>
-      </p:sp>
+        </p:nvPicPr>
+        <p:blipFill>
+          <a:blip r:embed="rId2"/>
+          <a:stretch>
+            <a:fillRect/>
+          </a:stretch>
+        </p:blipFill>
+        <p:spPr>
+          <a:xfrm>
+            <a:off x="646111" y="2209520"/>
+            <a:ext cx="4117167" cy="4195762"/>
+          </a:xfrm>
+        </p:spPr>
+      </p:pic>
+      <p:sp>
+        <p:nvSpPr>
+          <p:cNvPr id="6" name="Content Placeholder 2">
+            <a:extLst>
+              <a:ext uri="{FF2B5EF4-FFF2-40B4-BE49-F238E27FC236}">
+                <a16:creationId xmlns:a16="http://schemas.microsoft.com/office/drawing/2014/main" id="{833E8236-E4B7-4D71-AD29-3C035B5CA995}"/>
+              </a:ext>
+            </a:extLst>
+          </p:cNvPr>
+          <p:cNvSpPr txBox="1">
+            <a:spLocks/>
+          </p:cNvSpPr>
+          <p:nvPr/>
+        </p:nvSpPr>
+        <p:spPr>
+          <a:xfrm>
+            <a:off x="578211" y="1663619"/>
+            <a:ext cx="8946541" cy="4195481"/>
+          </a:xfrm>
+          <a:prstGeom prst="rect">
+            <a:avLst/>
+          </a:prstGeom>
+        </p:spPr>
+        <p:txBody>
+          <a:bodyPr vert="horz" lIns="91440" tIns="45720" rIns="91440" bIns="45720" rtlCol="0">
+            <a:normAutofit/>
+          </a:bodyPr>
+          <a:lstStyle>
+            <a:lvl1pPr marL="342900" indent="-342900" algn="l" defTabSz="457200" rtl="0" eaLnBrk="1" latinLnBrk="0" hangingPunct="1">
+              <a:spcBef>
+                <a:spcPts val="1000"/>
+              </a:spcBef>
+              <a:spcAft>
+                <a:spcPts val="0"/>
+              </a:spcAft>
+              <a:buClr>
+                <a:schemeClr val="bg2">
+                  <a:lumMod val="40000"/>
+                  <a:lumOff val="60000"/>
+                </a:schemeClr>
+              </a:buClr>
+              <a:buSzPct val="80000"/>
+              <a:buFont typeface="Wingdings 3" charset="2"/>
+              <a:buChar char=""/>
+              <a:defRPr sz="2000" b="0" i="0" kern="1200">
+                <a:solidFill>
+                  <a:schemeClr val="tx1"/>
+                </a:solidFill>
+                <a:latin typeface="+mj-lt"/>
+                <a:ea typeface="+mj-ea"/>
+                <a:cs typeface="+mj-cs"/>
+              </a:defRPr>
+            </a:lvl1pPr>
+            <a:lvl2pPr marL="742950" indent="-285750" algn="l" defTabSz="457200" rtl="0" eaLnBrk="1" latinLnBrk="0" hangingPunct="1">
+              <a:spcBef>
+                <a:spcPts val="1000"/>
+              </a:spcBef>
+              <a:spcAft>
+                <a:spcPts val="0"/>
+              </a:spcAft>
+              <a:buClr>
+                <a:schemeClr val="bg2">
+                  <a:lumMod val="40000"/>
+                  <a:lumOff val="60000"/>
+                </a:schemeClr>
+              </a:buClr>
+              <a:buSzPct val="80000"/>
+              <a:buFont typeface="Wingdings 3" charset="2"/>
+              <a:buChar char=""/>
+              <a:defRPr sz="1800" b="0" i="0" kern="1200">
+                <a:solidFill>
+                  <a:schemeClr val="tx1"/>
+                </a:solidFill>
+                <a:latin typeface="+mj-lt"/>
+                <a:ea typeface="+mj-ea"/>
+                <a:cs typeface="+mj-cs"/>
+              </a:defRPr>
+            </a:lvl2pPr>
+            <a:lvl3pPr marL="1143000" indent="-228600" algn="l" defTabSz="457200" rtl="0" eaLnBrk="1" latinLnBrk="0" hangingPunct="1">
+              <a:spcBef>
+                <a:spcPts val="1000"/>
+              </a:spcBef>
+              <a:spcAft>
+                <a:spcPts val="0"/>
+              </a:spcAft>
+              <a:buClr>
+                <a:schemeClr val="bg2">
+                  <a:lumMod val="40000"/>
+                  <a:lumOff val="60000"/>
+                </a:schemeClr>
+              </a:buClr>
+              <a:buSzPct val="80000"/>
+              <a:buFont typeface="Wingdings 3" charset="2"/>
+              <a:buChar char=""/>
+              <a:defRPr sz="1600" b="0" i="0" kern="1200">
+                <a:solidFill>
+                  <a:schemeClr val="tx1"/>
+                </a:solidFill>
+                <a:latin typeface="+mj-lt"/>
+                <a:ea typeface="+mj-ea"/>
+                <a:cs typeface="+mj-cs"/>
+              </a:defRPr>
+            </a:lvl3pPr>
+            <a:lvl4pPr marL="1600200" indent="-228600" algn="l" defTabSz="457200" rtl="0" eaLnBrk="1" latinLnBrk="0" hangingPunct="1">
+              <a:spcBef>
+                <a:spcPts val="1000"/>
+              </a:spcBef>
+              <a:spcAft>
+                <a:spcPts val="0"/>
+              </a:spcAft>
+              <a:buClr>
+                <a:schemeClr val="bg2">
+                  <a:lumMod val="40000"/>
+                  <a:lumOff val="60000"/>
+                </a:schemeClr>
+              </a:buClr>
+              <a:buSzPct val="80000"/>
+              <a:buFont typeface="Wingdings 3" charset="2"/>
+              <a:buChar char=""/>
+              <a:defRPr sz="1400" b="0" i="0" kern="1200">
+                <a:solidFill>
+                  <a:schemeClr val="tx1"/>
+                </a:solidFill>
+                <a:latin typeface="+mj-lt"/>
+                <a:ea typeface="+mj-ea"/>
+                <a:cs typeface="+mj-cs"/>
+              </a:defRPr>
+            </a:lvl4pPr>
+            <a:lvl5pPr marL="2057400" indent="-228600" algn="l" defTabSz="457200" rtl="0" eaLnBrk="1" latinLnBrk="0" hangingPunct="1">
+              <a:spcBef>
+                <a:spcPts val="1000"/>
+              </a:spcBef>
+              <a:spcAft>
+                <a:spcPts val="0"/>
+              </a:spcAft>
+              <a:buClr>
+                <a:schemeClr val="bg2">
+                  <a:lumMod val="40000"/>
+                  <a:lumOff val="60000"/>
+                </a:schemeClr>
+              </a:buClr>
+              <a:buSzPct val="80000"/>
+              <a:buFont typeface="Wingdings 3" charset="2"/>
+              <a:buChar char=""/>
+              <a:defRPr sz="1400" b="0" i="0" kern="1200">
+                <a:solidFill>
+                  <a:schemeClr val="tx1"/>
+                </a:solidFill>
+                <a:latin typeface="+mj-lt"/>
+                <a:ea typeface="+mj-ea"/>
+                <a:cs typeface="+mj-cs"/>
+              </a:defRPr>
+            </a:lvl5pPr>
+            <a:lvl6pPr marL="2506000" indent="-228600" algn="l" defTabSz="457200" rtl="0" eaLnBrk="1" latinLnBrk="0" hangingPunct="1">
+              <a:spcBef>
+                <a:spcPts val="1000"/>
+              </a:spcBef>
+              <a:spcAft>
+                <a:spcPts val="0"/>
+              </a:spcAft>
+              <a:buClr>
+                <a:schemeClr val="bg2">
+                  <a:lumMod val="40000"/>
+                  <a:lumOff val="60000"/>
+                </a:schemeClr>
+              </a:buClr>
+              <a:buSzPct val="80000"/>
+              <a:buFont typeface="Wingdings 3" charset="2"/>
+              <a:buChar char=""/>
+              <a:defRPr sz="1400" b="0" i="0" kern="1200">
+                <a:solidFill>
+                  <a:schemeClr val="tx1"/>
+                </a:solidFill>
+                <a:latin typeface="+mj-lt"/>
+                <a:ea typeface="+mj-ea"/>
+                <a:cs typeface="+mj-cs"/>
+              </a:defRPr>
+            </a:lvl6pPr>
+            <a:lvl7pPr marL="2971800" indent="-228600" algn="l" defTabSz="457200" rtl="0" eaLnBrk="1" latinLnBrk="0" hangingPunct="1">
+              <a:spcBef>
+                <a:spcPts val="1000"/>
+              </a:spcBef>
+              <a:spcAft>
+                <a:spcPts val="0"/>
+              </a:spcAft>
+              <a:buClr>
+                <a:schemeClr val="bg2">
+                  <a:lumMod val="40000"/>
+                  <a:lumOff val="60000"/>
+                </a:schemeClr>
+              </a:buClr>
+              <a:buSzPct val="80000"/>
+              <a:buFont typeface="Wingdings 3" charset="2"/>
+              <a:buChar char=""/>
+              <a:defRPr sz="1400" b="0" i="0" kern="1200">
+                <a:solidFill>
+                  <a:schemeClr val="tx1"/>
+                </a:solidFill>
+                <a:latin typeface="+mj-lt"/>
+                <a:ea typeface="+mj-ea"/>
+                <a:cs typeface="+mj-cs"/>
+              </a:defRPr>
+            </a:lvl7pPr>
+            <a:lvl8pPr marL="3429000" indent="-228600" algn="l" defTabSz="457200" rtl="0" eaLnBrk="1" latinLnBrk="0" hangingPunct="1">
+              <a:spcBef>
+                <a:spcPts val="1000"/>
+              </a:spcBef>
+              <a:spcAft>
+                <a:spcPts val="0"/>
+              </a:spcAft>
+              <a:buClr>
+                <a:schemeClr val="bg2">
+                  <a:lumMod val="40000"/>
+                  <a:lumOff val="60000"/>
+                </a:schemeClr>
+              </a:buClr>
+              <a:buSzPct val="80000"/>
+              <a:buFont typeface="Wingdings 3" charset="2"/>
+              <a:buChar char=""/>
+              <a:defRPr sz="1400" b="0" i="0" kern="1200">
+                <a:solidFill>
+                  <a:schemeClr val="tx1"/>
+                </a:solidFill>
+                <a:latin typeface="+mj-lt"/>
+                <a:ea typeface="+mj-ea"/>
+                <a:cs typeface="+mj-cs"/>
+              </a:defRPr>
+            </a:lvl8pPr>
+            <a:lvl9pPr marL="3886200" indent="-228600" algn="l" defTabSz="457200" rtl="0" eaLnBrk="1" latinLnBrk="0" hangingPunct="1">
+              <a:spcBef>
+                <a:spcPts val="1000"/>
+              </a:spcBef>
+              <a:spcAft>
+                <a:spcPts val="0"/>
+              </a:spcAft>
+              <a:buClr>
+                <a:schemeClr val="bg2">
+                  <a:lumMod val="40000"/>
+                  <a:lumOff val="60000"/>
+                </a:schemeClr>
+              </a:buClr>
+              <a:buSzPct val="80000"/>
+              <a:buFont typeface="Wingdings 3" charset="2"/>
+              <a:buChar char=""/>
+              <a:defRPr sz="1400" b="0" i="0" kern="1200">
+                <a:solidFill>
+                  <a:schemeClr val="tx1"/>
+                </a:solidFill>
+                <a:latin typeface="+mj-lt"/>
+                <a:ea typeface="+mj-ea"/>
+                <a:cs typeface="+mj-cs"/>
+              </a:defRPr>
+            </a:lvl9pPr>
+          </a:lstStyle>
+          <a:p>
+            <a:r>
+              <a:rPr lang="en-US" dirty="0"/>
+              <a:t>Adjusting Noise Factor in FGSM</a:t>
+            </a:r>
+          </a:p>
+        </p:txBody>
+      </p:sp>
+      <p:pic>
+        <p:nvPicPr>
+          <p:cNvPr id="16" name="Picture 15">
+            <a:extLst>
+              <a:ext uri="{FF2B5EF4-FFF2-40B4-BE49-F238E27FC236}">
+                <a16:creationId xmlns:a16="http://schemas.microsoft.com/office/drawing/2014/main" id="{89EF0698-CFCD-6E38-1C78-B9253F07387D}"/>
+              </a:ext>
+            </a:extLst>
+          </p:cNvPr>
+          <p:cNvPicPr>
+            <a:picLocks noChangeAspect="1"/>
+          </p:cNvPicPr>
+          <p:nvPr/>
+        </p:nvPicPr>
+        <p:blipFill>
+          <a:blip r:embed="rId3"/>
+          <a:stretch>
+            <a:fillRect/>
+          </a:stretch>
+        </p:blipFill>
+        <p:spPr>
+          <a:xfrm>
+            <a:off x="8227199" y="3971840"/>
+            <a:ext cx="2730903" cy="2363996"/>
+          </a:xfrm>
+          <a:prstGeom prst="rect">
+            <a:avLst/>
+          </a:prstGeom>
+        </p:spPr>
+      </p:pic>
+      <p:pic>
+        <p:nvPicPr>
+          <p:cNvPr id="18" name="Picture 17">
+            <a:extLst>
+              <a:ext uri="{FF2B5EF4-FFF2-40B4-BE49-F238E27FC236}">
+                <a16:creationId xmlns:a16="http://schemas.microsoft.com/office/drawing/2014/main" id="{BE064DB0-E409-9818-F376-1AA88D5DF30E}"/>
+              </a:ext>
+            </a:extLst>
+          </p:cNvPr>
+          <p:cNvPicPr>
+            <a:picLocks noChangeAspect="1"/>
+          </p:cNvPicPr>
+          <p:nvPr/>
+        </p:nvPicPr>
+        <p:blipFill>
+          <a:blip r:embed="rId4"/>
+          <a:stretch>
+            <a:fillRect/>
+          </a:stretch>
+        </p:blipFill>
+        <p:spPr>
+          <a:xfrm>
+            <a:off x="8227199" y="1449706"/>
+            <a:ext cx="2730902" cy="2315731"/>
+          </a:xfrm>
+          <a:prstGeom prst="rect">
+            <a:avLst/>
+          </a:prstGeom>
+        </p:spPr>
+      </p:pic>
+      <p:pic>
+        <p:nvPicPr>
+          <p:cNvPr id="20" name="Picture 19">
+            <a:extLst>
+              <a:ext uri="{FF2B5EF4-FFF2-40B4-BE49-F238E27FC236}">
+                <a16:creationId xmlns:a16="http://schemas.microsoft.com/office/drawing/2014/main" id="{7999FC3D-CEE0-5405-1D1D-3BB078C9A551}"/>
+              </a:ext>
+            </a:extLst>
+          </p:cNvPr>
+          <p:cNvPicPr>
+            <a:picLocks noChangeAspect="1"/>
+          </p:cNvPicPr>
+          <p:nvPr/>
+        </p:nvPicPr>
+        <p:blipFill>
+          <a:blip r:embed="rId5"/>
+          <a:stretch>
+            <a:fillRect/>
+          </a:stretch>
+        </p:blipFill>
+        <p:spPr>
+          <a:xfrm>
+            <a:off x="5235165" y="3971840"/>
+            <a:ext cx="2730903" cy="2347375"/>
+          </a:xfrm>
+          <a:prstGeom prst="rect">
+            <a:avLst/>
+          </a:prstGeom>
+        </p:spPr>
+      </p:pic>
+      <p:pic>
+        <p:nvPicPr>
+          <p:cNvPr id="22" name="Picture 21">
+            <a:extLst>
+              <a:ext uri="{FF2B5EF4-FFF2-40B4-BE49-F238E27FC236}">
+                <a16:creationId xmlns:a16="http://schemas.microsoft.com/office/drawing/2014/main" id="{78B0F471-356C-8307-D8B7-FB3E55DB67E6}"/>
+              </a:ext>
+            </a:extLst>
+          </p:cNvPr>
+          <p:cNvPicPr>
+            <a:picLocks noChangeAspect="1"/>
+          </p:cNvPicPr>
+          <p:nvPr/>
+        </p:nvPicPr>
+        <p:blipFill>
+          <a:blip r:embed="rId6"/>
+          <a:stretch>
+            <a:fillRect/>
+          </a:stretch>
+        </p:blipFill>
+        <p:spPr>
+          <a:xfrm>
+            <a:off x="5257769" y="1449706"/>
+            <a:ext cx="2701684" cy="2315730"/>
+          </a:xfrm>
+          <a:prstGeom prst="rect">
+            <a:avLst/>
+          </a:prstGeom>
+        </p:spPr>
+      </p:pic>
     </p:spTree>
     <p:extLst>
       <p:ext uri="{BB962C8B-B14F-4D97-AF65-F5344CB8AC3E}">

--- a/Comp4447_Final_Project.pptx
+++ b/Comp4447_Final_Project.pptx
@@ -7100,7 +7100,9 @@
           </a:xfrm>
         </p:spPr>
         <p:txBody>
-          <a:bodyPr/>
+          <a:bodyPr>
+            <a:normAutofit lnSpcReduction="10000"/>
+          </a:bodyPr>
           <a:lstStyle/>
           <a:p>
             <a:r>
@@ -7173,13 +7175,19 @@
           <a:p>
             <a:pPr lvl="1"/>
             <a:r>
+              <a:rPr lang="en-US" dirty="0">
+                <a:hlinkClick r:id="rId2"/>
+              </a:rPr>
+              <a:t>https://arxiv.org/abs/1610.02391</a:t>
+            </a:r>
+            <a:endParaRPr lang="en-US" dirty="0"/>
+          </a:p>
+          <a:p>
+            <a:pPr lvl="1"/>
+            <a:r>
               <a:rPr lang="en-US" dirty="0"/>
-              <a:t>Understanding GAN Architecture</a:t>
-            </a:r>
-          </a:p>
-          <a:p>
-            <a:pPr lvl="2"/>
-            <a:endParaRPr lang="en-US" dirty="0"/>
+              <a:t>https://arxiv.org/abs/1610.09585</a:t>
+            </a:r>
           </a:p>
         </p:txBody>
       </p:sp>

--- a/Comp4447_Final_Project.pptx
+++ b/Comp4447_Final_Project.pptx
@@ -5,7 +5,7 @@
     <p:sldMasterId id="2147483660" r:id="rId1"/>
   </p:sldMasterIdLst>
   <p:notesMasterIdLst>
-    <p:notesMasterId r:id="rId14"/>
+    <p:notesMasterId r:id="rId18"/>
   </p:notesMasterIdLst>
   <p:sldIdLst>
     <p:sldId id="256" r:id="rId2"/>
@@ -17,9 +17,13 @@
     <p:sldId id="264" r:id="rId8"/>
     <p:sldId id="266" r:id="rId9"/>
     <p:sldId id="265" r:id="rId10"/>
-    <p:sldId id="267" r:id="rId11"/>
-    <p:sldId id="268" r:id="rId12"/>
-    <p:sldId id="269" r:id="rId13"/>
+    <p:sldId id="270" r:id="rId11"/>
+    <p:sldId id="271" r:id="rId12"/>
+    <p:sldId id="272" r:id="rId13"/>
+    <p:sldId id="268" r:id="rId14"/>
+    <p:sldId id="267" r:id="rId15"/>
+    <p:sldId id="269" r:id="rId16"/>
+    <p:sldId id="273" r:id="rId17"/>
   </p:sldIdLst>
   <p:sldSz cx="12192000" cy="6858000"/>
   <p:notesSz cx="6858000" cy="9144000"/>
@@ -715,7 +719,7 @@
           <a:p>
             <a:fld id="{A7C05606-2F72-4BBB-AD04-5337446BF4D5}" type="datetimeFigureOut">
               <a:rPr lang="en-US" smtClean="0"/>
-              <a:t>11/10/2024</a:t>
+              <a:t>11/11/2024</a:t>
             </a:fld>
             <a:endParaRPr lang="en-US"/>
           </a:p>
@@ -982,6 +986,116 @@
 </p:notesMaster>
 </file>
 
+<file path=ppt/notesSlides/notesSlide1.xml><?xml version="1.0" encoding="utf-8"?>
+<p:notes xmlns:a="http://schemas.openxmlformats.org/drawingml/2006/main" xmlns:r="http://schemas.openxmlformats.org/officeDocument/2006/relationships" xmlns:p="http://schemas.openxmlformats.org/presentationml/2006/main">
+  <p:cSld>
+    <p:spTree>
+      <p:nvGrpSpPr>
+        <p:cNvPr id="1" name=""/>
+        <p:cNvGrpSpPr/>
+        <p:nvPr/>
+      </p:nvGrpSpPr>
+      <p:grpSpPr>
+        <a:xfrm>
+          <a:off x="0" y="0"/>
+          <a:ext cx="0" cy="0"/>
+          <a:chOff x="0" y="0"/>
+          <a:chExt cx="0" cy="0"/>
+        </a:xfrm>
+      </p:grpSpPr>
+      <p:sp>
+        <p:nvSpPr>
+          <p:cNvPr id="2" name="Slide Image Placeholder 1"/>
+          <p:cNvSpPr>
+            <a:spLocks noGrp="1" noRot="1" noChangeAspect="1"/>
+          </p:cNvSpPr>
+          <p:nvPr>
+            <p:ph type="sldImg"/>
+          </p:nvPr>
+        </p:nvSpPr>
+        <p:spPr/>
+      </p:sp>
+      <p:sp>
+        <p:nvSpPr>
+          <p:cNvPr id="3" name="Notes Placeholder 2"/>
+          <p:cNvSpPr>
+            <a:spLocks noGrp="1"/>
+          </p:cNvSpPr>
+          <p:nvPr>
+            <p:ph type="body" idx="1"/>
+          </p:nvPr>
+        </p:nvSpPr>
+        <p:spPr/>
+        <p:txBody>
+          <a:bodyPr/>
+          <a:lstStyle/>
+          <a:p>
+            <a:pPr marL="285750" indent="-285750">
+              <a:buFont typeface="Arial" panose="020B0604020202020204" pitchFamily="34" charset="0"/>
+              <a:buChar char="•"/>
+            </a:pPr>
+            <a:r>
+              <a:rPr lang="en-US" b="0" dirty="0"/>
+              <a:t>Develop methods or models that identify when an attack occurs, and which data is impacted</a:t>
+            </a:r>
+          </a:p>
+          <a:p>
+            <a:pPr marL="285750" indent="-285750">
+              <a:buFont typeface="Arial" panose="020B0604020202020204" pitchFamily="34" charset="0"/>
+              <a:buChar char="•"/>
+            </a:pPr>
+            <a:r>
+              <a:rPr lang="en-US" dirty="0"/>
+              <a:t>Understand key differences in </a:t>
+            </a:r>
+            <a:r>
+              <a:rPr lang="en-US" dirty="0" err="1"/>
+              <a:t>adversarially</a:t>
+            </a:r>
+            <a:r>
+              <a:rPr lang="en-US" dirty="0"/>
+              <a:t> generated vs ‘clean’ data</a:t>
+            </a:r>
+            <a:endParaRPr lang="en-US" b="0" dirty="0"/>
+          </a:p>
+        </p:txBody>
+      </p:sp>
+      <p:sp>
+        <p:nvSpPr>
+          <p:cNvPr id="4" name="Slide Number Placeholder 3"/>
+          <p:cNvSpPr>
+            <a:spLocks noGrp="1"/>
+          </p:cNvSpPr>
+          <p:nvPr>
+            <p:ph type="sldNum" sz="quarter" idx="5"/>
+          </p:nvPr>
+        </p:nvSpPr>
+        <p:spPr/>
+        <p:txBody>
+          <a:bodyPr/>
+          <a:lstStyle/>
+          <a:p>
+            <a:fld id="{ACA2DE83-4ADA-4B3F-A624-0F5574D8C252}" type="slidenum">
+              <a:rPr lang="en-US" smtClean="0"/>
+              <a:t>3</a:t>
+            </a:fld>
+            <a:endParaRPr lang="en-US"/>
+          </a:p>
+        </p:txBody>
+      </p:sp>
+    </p:spTree>
+    <p:extLst>
+      <p:ext uri="{BB962C8B-B14F-4D97-AF65-F5344CB8AC3E}">
+        <p14:creationId xmlns:p14="http://schemas.microsoft.com/office/powerpoint/2010/main" val="3434334223"/>
+      </p:ext>
+    </p:extLst>
+  </p:cSld>
+  <p:clrMapOvr>
+    <a:masterClrMapping/>
+  </p:clrMapOvr>
+</p:notes>
+</file>
+
 <file path=ppt/slideLayouts/slideLayout1.xml><?xml version="1.0" encoding="utf-8"?>
 <p:sldLayout xmlns:a="http://schemas.openxmlformats.org/drawingml/2006/main" xmlns:r="http://schemas.openxmlformats.org/officeDocument/2006/relationships" xmlns:p="http://schemas.openxmlformats.org/presentationml/2006/main" type="title" preserve="1">
   <p:cSld name="Title Slide">
@@ -1168,7 +1282,7 @@
           <a:p>
             <a:fld id="{3BE2471F-75F3-47CA-85A3-D9717923AAE3}" type="datetimeFigureOut">
               <a:rPr lang="en-US" smtClean="0"/>
-              <a:t>11/10/2024</a:t>
+              <a:t>11/11/2024</a:t>
             </a:fld>
             <a:endParaRPr lang="en-US"/>
           </a:p>
@@ -1443,7 +1557,7 @@
           <a:p>
             <a:fld id="{3BE2471F-75F3-47CA-85A3-D9717923AAE3}" type="datetimeFigureOut">
               <a:rPr lang="en-US" smtClean="0"/>
-              <a:t>11/10/2024</a:t>
+              <a:t>11/11/2024</a:t>
             </a:fld>
             <a:endParaRPr lang="en-US"/>
           </a:p>
@@ -1637,7 +1751,7 @@
           <a:p>
             <a:fld id="{3BE2471F-75F3-47CA-85A3-D9717923AAE3}" type="datetimeFigureOut">
               <a:rPr lang="en-US" smtClean="0"/>
-              <a:t>11/10/2024</a:t>
+              <a:t>11/11/2024</a:t>
             </a:fld>
             <a:endParaRPr lang="en-US"/>
           </a:p>
@@ -1910,7 +2024,7 @@
           <a:p>
             <a:fld id="{3BE2471F-75F3-47CA-85A3-D9717923AAE3}" type="datetimeFigureOut">
               <a:rPr lang="en-US" smtClean="0"/>
-              <a:t>11/10/2024</a:t>
+              <a:t>11/11/2024</a:t>
             </a:fld>
             <a:endParaRPr lang="en-US"/>
           </a:p>
@@ -2251,7 +2365,7 @@
           <a:p>
             <a:fld id="{3BE2471F-75F3-47CA-85A3-D9717923AAE3}" type="datetimeFigureOut">
               <a:rPr lang="en-US" smtClean="0"/>
-              <a:t>11/10/2024</a:t>
+              <a:t>11/11/2024</a:t>
             </a:fld>
             <a:endParaRPr lang="en-US"/>
           </a:p>
@@ -2874,7 +2988,7 @@
           <a:p>
             <a:fld id="{3BE2471F-75F3-47CA-85A3-D9717923AAE3}" type="datetimeFigureOut">
               <a:rPr lang="en-US" smtClean="0"/>
-              <a:t>11/10/2024</a:t>
+              <a:t>11/11/2024</a:t>
             </a:fld>
             <a:endParaRPr lang="en-US"/>
           </a:p>
@@ -3734,7 +3848,7 @@
           <a:p>
             <a:fld id="{3BE2471F-75F3-47CA-85A3-D9717923AAE3}" type="datetimeFigureOut">
               <a:rPr lang="en-US" smtClean="0"/>
-              <a:t>11/10/2024</a:t>
+              <a:t>11/11/2024</a:t>
             </a:fld>
             <a:endParaRPr lang="en-US"/>
           </a:p>
@@ -3904,7 +4018,7 @@
           <a:p>
             <a:fld id="{3BE2471F-75F3-47CA-85A3-D9717923AAE3}" type="datetimeFigureOut">
               <a:rPr lang="en-US" smtClean="0"/>
-              <a:t>11/10/2024</a:t>
+              <a:t>11/11/2024</a:t>
             </a:fld>
             <a:endParaRPr lang="en-US"/>
           </a:p>
@@ -4084,7 +4198,7 @@
           <a:p>
             <a:fld id="{3BE2471F-75F3-47CA-85A3-D9717923AAE3}" type="datetimeFigureOut">
               <a:rPr lang="en-US" smtClean="0"/>
-              <a:t>11/10/2024</a:t>
+              <a:t>11/11/2024</a:t>
             </a:fld>
             <a:endParaRPr lang="en-US"/>
           </a:p>
@@ -4254,7 +4368,7 @@
           <a:p>
             <a:fld id="{3BE2471F-75F3-47CA-85A3-D9717923AAE3}" type="datetimeFigureOut">
               <a:rPr lang="en-US" smtClean="0"/>
-              <a:t>11/10/2024</a:t>
+              <a:t>11/11/2024</a:t>
             </a:fld>
             <a:endParaRPr lang="en-US"/>
           </a:p>
@@ -4501,7 +4615,7 @@
           <a:p>
             <a:fld id="{3BE2471F-75F3-47CA-85A3-D9717923AAE3}" type="datetimeFigureOut">
               <a:rPr lang="en-US" smtClean="0"/>
-              <a:t>11/10/2024</a:t>
+              <a:t>11/11/2024</a:t>
             </a:fld>
             <a:endParaRPr lang="en-US"/>
           </a:p>
@@ -4793,7 +4907,7 @@
           <a:p>
             <a:fld id="{3BE2471F-75F3-47CA-85A3-D9717923AAE3}" type="datetimeFigureOut">
               <a:rPr lang="en-US" smtClean="0"/>
-              <a:t>11/10/2024</a:t>
+              <a:t>11/11/2024</a:t>
             </a:fld>
             <a:endParaRPr lang="en-US"/>
           </a:p>
@@ -5237,7 +5351,7 @@
           <a:p>
             <a:fld id="{3BE2471F-75F3-47CA-85A3-D9717923AAE3}" type="datetimeFigureOut">
               <a:rPr lang="en-US" smtClean="0"/>
-              <a:t>11/10/2024</a:t>
+              <a:t>11/11/2024</a:t>
             </a:fld>
             <a:endParaRPr lang="en-US"/>
           </a:p>
@@ -5355,7 +5469,7 @@
           <a:p>
             <a:fld id="{3BE2471F-75F3-47CA-85A3-D9717923AAE3}" type="datetimeFigureOut">
               <a:rPr lang="en-US" smtClean="0"/>
-              <a:t>11/10/2024</a:t>
+              <a:t>11/11/2024</a:t>
             </a:fld>
             <a:endParaRPr lang="en-US"/>
           </a:p>
@@ -5450,7 +5564,7 @@
           <a:p>
             <a:fld id="{3BE2471F-75F3-47CA-85A3-D9717923AAE3}" type="datetimeFigureOut">
               <a:rPr lang="en-US" smtClean="0"/>
-              <a:t>11/10/2024</a:t>
+              <a:t>11/11/2024</a:t>
             </a:fld>
             <a:endParaRPr lang="en-US"/>
           </a:p>
@@ -5729,7 +5843,7 @@
           <a:p>
             <a:fld id="{3BE2471F-75F3-47CA-85A3-D9717923AAE3}" type="datetimeFigureOut">
               <a:rPr lang="en-US" smtClean="0"/>
-              <a:t>11/10/2024</a:t>
+              <a:t>11/11/2024</a:t>
             </a:fld>
             <a:endParaRPr lang="en-US"/>
           </a:p>
@@ -6004,7 +6118,7 @@
           <a:p>
             <a:fld id="{3BE2471F-75F3-47CA-85A3-D9717923AAE3}" type="datetimeFigureOut">
               <a:rPr lang="en-US" smtClean="0"/>
-              <a:t>11/10/2024</a:t>
+              <a:t>11/11/2024</a:t>
             </a:fld>
             <a:endParaRPr lang="en-US"/>
           </a:p>
@@ -6433,7 +6547,7 @@
           <a:p>
             <a:fld id="{3BE2471F-75F3-47CA-85A3-D9717923AAE3}" type="datetimeFigureOut">
               <a:rPr lang="en-US" smtClean="0"/>
-              <a:t>11/10/2024</a:t>
+              <a:t>11/11/2024</a:t>
             </a:fld>
             <a:endParaRPr lang="en-US"/>
           </a:p>
@@ -6999,7 +7113,7 @@
             </a:br>
             <a:r>
               <a:rPr lang="en-US" sz="1800" dirty="0"/>
-              <a:t>Detecting GAN Attacks on Satellite Imagery</a:t>
+              <a:t>Detecting Adversarial Attacks on Satellite Imagery</a:t>
             </a:r>
             <a:br>
               <a:rPr lang="en-US" dirty="0"/>
@@ -7019,6 +7133,35 @@
           </a:p>
         </p:txBody>
       </p:sp>
+      <p:pic>
+        <p:nvPicPr>
+          <p:cNvPr id="2" name="Picture 1">
+            <a:extLst>
+              <a:ext uri="{FF2B5EF4-FFF2-40B4-BE49-F238E27FC236}">
+                <a16:creationId xmlns:a16="http://schemas.microsoft.com/office/drawing/2014/main" id="{196990E7-A02F-A4AF-8F2E-D357D814306E}"/>
+              </a:ext>
+            </a:extLst>
+          </p:cNvPr>
+          <p:cNvPicPr>
+            <a:picLocks noChangeAspect="1"/>
+          </p:cNvPicPr>
+          <p:nvPr/>
+        </p:nvPicPr>
+        <p:blipFill>
+          <a:blip r:embed="rId2"/>
+          <a:srcRect l="2760"/>
+          <a:stretch/>
+        </p:blipFill>
+        <p:spPr>
+          <a:xfrm>
+            <a:off x="1632139" y="1044051"/>
+            <a:ext cx="8927722" cy="4374405"/>
+          </a:xfrm>
+          <a:prstGeom prst="rect">
+            <a:avLst/>
+          </a:prstGeom>
+        </p:spPr>
+      </p:pic>
     </p:spTree>
     <p:extLst>
       <p:ext uri="{BB962C8B-B14F-4D97-AF65-F5344CB8AC3E}">
@@ -7049,144 +7192,120 @@
           <a:chExt cx="0" cy="0"/>
         </a:xfrm>
       </p:grpSpPr>
-      <p:sp>
-        <p:nvSpPr>
-          <p:cNvPr id="2" name="Title 1">
+      <p:pic>
+        <p:nvPicPr>
+          <p:cNvPr id="5" name="Content Placeholder 4">
             <a:extLst>
               <a:ext uri="{FF2B5EF4-FFF2-40B4-BE49-F238E27FC236}">
-                <a16:creationId xmlns:a16="http://schemas.microsoft.com/office/drawing/2014/main" id="{6E92DF3D-7F34-944D-A6BC-D65CBCD94721}"/>
+                <a16:creationId xmlns:a16="http://schemas.microsoft.com/office/drawing/2014/main" id="{38B2351C-DD3F-3E0A-DA9F-0FA6018E0C55}"/>
               </a:ext>
             </a:extLst>
           </p:cNvPr>
-          <p:cNvSpPr>
-            <a:spLocks noGrp="1"/>
-          </p:cNvSpPr>
-          <p:nvPr>
-            <p:ph type="title"/>
-          </p:nvPr>
-        </p:nvSpPr>
-        <p:spPr/>
-        <p:txBody>
-          <a:bodyPr/>
-          <a:lstStyle/>
-          <a:p>
-            <a:r>
-              <a:rPr lang="en-US" dirty="0"/>
-              <a:t>Libraries Used</a:t>
-            </a:r>
-          </a:p>
-        </p:txBody>
-      </p:sp>
-      <p:sp>
-        <p:nvSpPr>
-          <p:cNvPr id="3" name="Content Placeholder 2">
+          <p:cNvPicPr>
+            <a:picLocks noGrp="1" noChangeAspect="1"/>
+          </p:cNvPicPr>
+          <p:nvPr>
+            <p:ph idx="1"/>
+          </p:nvPr>
+        </p:nvPicPr>
+        <p:blipFill>
+          <a:blip r:embed="rId2"/>
+          <a:stretch>
+            <a:fillRect/>
+          </a:stretch>
+        </p:blipFill>
+        <p:spPr>
+          <a:xfrm>
+            <a:off x="6272393" y="1331119"/>
+            <a:ext cx="5473855" cy="4195762"/>
+          </a:xfrm>
+        </p:spPr>
+      </p:pic>
+      <p:sp>
+        <p:nvSpPr>
+          <p:cNvPr id="6" name="TextBox 5">
             <a:extLst>
               <a:ext uri="{FF2B5EF4-FFF2-40B4-BE49-F238E27FC236}">
-                <a16:creationId xmlns:a16="http://schemas.microsoft.com/office/drawing/2014/main" id="{25274498-7608-1285-60C1-AA924DEDF17C}"/>
+                <a16:creationId xmlns:a16="http://schemas.microsoft.com/office/drawing/2014/main" id="{2DB84955-8006-AC51-6DE3-895ABB26D96D}"/>
               </a:ext>
             </a:extLst>
           </p:cNvPr>
-          <p:cNvSpPr>
-            <a:spLocks noGrp="1"/>
-          </p:cNvSpPr>
-          <p:nvPr>
-            <p:ph idx="1"/>
-          </p:nvPr>
+          <p:cNvSpPr txBox="1"/>
+          <p:nvPr/>
         </p:nvSpPr>
         <p:spPr>
           <a:xfrm>
-            <a:off x="1104293" y="1437283"/>
-            <a:ext cx="8946541" cy="4195481"/>
+            <a:off x="445752" y="2551837"/>
+            <a:ext cx="5611264" cy="1754326"/>
           </a:xfrm>
+          <a:prstGeom prst="rect">
+            <a:avLst/>
+          </a:prstGeom>
+          <a:noFill/>
         </p:spPr>
         <p:txBody>
-          <a:bodyPr>
-            <a:normAutofit lnSpcReduction="10000"/>
+          <a:bodyPr wrap="square" rtlCol="0">
+            <a:spAutoFit/>
           </a:bodyPr>
           <a:lstStyle/>
           <a:p>
+            <a:pPr marL="285750" indent="-285750">
+              <a:buFont typeface="Arial" panose="020B0604020202020204" pitchFamily="34" charset="0"/>
+              <a:buChar char="•"/>
+            </a:pPr>
             <a:r>
               <a:rPr lang="en-US" dirty="0"/>
-              <a:t>Primary Libraries:</a:t>
-            </a:r>
-          </a:p>
-          <a:p>
-            <a:pPr lvl="1"/>
+              <a:t>Boxplot of red band in samples</a:t>
+            </a:r>
+          </a:p>
+          <a:p>
+            <a:pPr marL="742950" lvl="1" indent="-285750">
+              <a:buFont typeface="Arial" panose="020B0604020202020204" pitchFamily="34" charset="0"/>
+              <a:buChar char="•"/>
+            </a:pPr>
             <a:r>
               <a:rPr lang="en-US" dirty="0"/>
-              <a:t>TensorFlow </a:t>
-            </a:r>
-          </a:p>
-          <a:p>
-            <a:pPr lvl="1"/>
-            <a:r>
-              <a:rPr lang="en-US" dirty="0" err="1"/>
-              <a:t>Keras</a:t>
-            </a:r>
-            <a:endParaRPr lang="en-US" dirty="0"/>
-          </a:p>
-          <a:p>
-            <a:pPr lvl="1"/>
-            <a:r>
-              <a:rPr lang="en-US" dirty="0" err="1"/>
-              <a:t>Sklearn</a:t>
-            </a:r>
-            <a:endParaRPr lang="en-US" dirty="0"/>
-          </a:p>
-          <a:p>
-            <a:pPr lvl="1"/>
+              <a:t>Nearly identical distributions</a:t>
+            </a:r>
+          </a:p>
+          <a:p>
+            <a:pPr marL="742950" lvl="1" indent="-285750">
+              <a:buFont typeface="Arial" panose="020B0604020202020204" pitchFamily="34" charset="0"/>
+              <a:buChar char="•"/>
+            </a:pPr>
             <a:r>
               <a:rPr lang="en-US" dirty="0"/>
-              <a:t>Google </a:t>
-            </a:r>
-            <a:r>
-              <a:rPr lang="en-US" dirty="0" err="1"/>
-              <a:t>Colab</a:t>
-            </a:r>
-            <a:endParaRPr lang="en-US" dirty="0"/>
-          </a:p>
-          <a:p>
-            <a:pPr lvl="1"/>
-            <a:r>
-              <a:rPr lang="en-US" dirty="0" err="1"/>
-              <a:t>Numpy</a:t>
-            </a:r>
-            <a:endParaRPr lang="en-US" dirty="0"/>
-          </a:p>
-          <a:p>
+              <a:t>Reflected in Green, Blue, NIR bands</a:t>
+            </a:r>
+          </a:p>
+          <a:p>
+            <a:pPr marL="285750" indent="-285750">
+              <a:buFont typeface="Arial" panose="020B0604020202020204" pitchFamily="34" charset="0"/>
+              <a:buChar char="•"/>
+            </a:pPr>
             <a:r>
               <a:rPr lang="en-US" dirty="0"/>
-              <a:t>Support Libraries</a:t>
-            </a:r>
-          </a:p>
-          <a:p>
-            <a:pPr lvl="1"/>
+              <a:t>Massively insignificant ANOVA, t-tests</a:t>
+            </a:r>
+          </a:p>
+          <a:p>
+            <a:pPr marL="742950" lvl="1" indent="-285750">
+              <a:buFont typeface="Arial" panose="020B0604020202020204" pitchFamily="34" charset="0"/>
+              <a:buChar char="•"/>
+            </a:pPr>
             <a:r>
               <a:rPr lang="en-US" dirty="0"/>
-              <a:t>Pandas</a:t>
-            </a:r>
-          </a:p>
-          <a:p>
+              <a:t>0.986 p values for both</a:t>
+            </a:r>
+          </a:p>
+          <a:p>
+            <a:pPr marL="285750" indent="-285750">
+              <a:buFont typeface="Arial" panose="020B0604020202020204" pitchFamily="34" charset="0"/>
+              <a:buChar char="•"/>
+            </a:pPr>
             <a:r>
               <a:rPr lang="en-US" dirty="0"/>
-              <a:t>References:</a:t>
-            </a:r>
-          </a:p>
-          <a:p>
-            <a:pPr lvl="1"/>
-            <a:r>
-              <a:rPr lang="en-US" dirty="0">
-                <a:hlinkClick r:id="rId2"/>
-              </a:rPr>
-              <a:t>https://arxiv.org/abs/1610.02391</a:t>
-            </a:r>
-            <a:endParaRPr lang="en-US" dirty="0"/>
-          </a:p>
-          <a:p>
-            <a:pPr lvl="1"/>
-            <a:r>
-              <a:rPr lang="en-US" dirty="0"/>
-              <a:t>https://arxiv.org/abs/1610.09585</a:t>
+              <a:t>Are there visual differences?</a:t>
             </a:r>
           </a:p>
         </p:txBody>
@@ -7194,7 +7313,7 @@
     </p:spTree>
     <p:extLst>
       <p:ext uri="{BB962C8B-B14F-4D97-AF65-F5344CB8AC3E}">
-        <p14:creationId xmlns:p14="http://schemas.microsoft.com/office/powerpoint/2010/main" val="1745899327"/>
+        <p14:creationId xmlns:p14="http://schemas.microsoft.com/office/powerpoint/2010/main" val="113215003"/>
       </p:ext>
     </p:extLst>
   </p:cSld>
@@ -7226,7 +7345,7 @@
           <p:cNvPr id="2" name="Title 1">
             <a:extLst>
               <a:ext uri="{FF2B5EF4-FFF2-40B4-BE49-F238E27FC236}">
-                <a16:creationId xmlns:a16="http://schemas.microsoft.com/office/drawing/2014/main" id="{76FAA7B2-8C67-7265-B58E-825A02942D58}"/>
+                <a16:creationId xmlns:a16="http://schemas.microsoft.com/office/drawing/2014/main" id="{F969B4E9-0360-E8E1-E816-7FC2A4372EF1}"/>
               </a:ext>
             </a:extLst>
           </p:cNvPr>
@@ -7237,14 +7356,19 @@
             <p:ph type="title"/>
           </p:nvPr>
         </p:nvSpPr>
-        <p:spPr/>
+        <p:spPr>
+          <a:xfrm>
+            <a:off x="1861469" y="155006"/>
+            <a:ext cx="9404723" cy="1400530"/>
+          </a:xfrm>
+        </p:spPr>
         <p:txBody>
           <a:bodyPr/>
           <a:lstStyle/>
           <a:p>
             <a:r>
               <a:rPr lang="en-US" dirty="0"/>
-              <a:t>Problems Faced</a:t>
+              <a:t>Can you tell which is adversarial?</a:t>
             </a:r>
           </a:p>
         </p:txBody>
@@ -7254,7 +7378,7 @@
           <p:cNvPr id="3" name="Content Placeholder 2">
             <a:extLst>
               <a:ext uri="{FF2B5EF4-FFF2-40B4-BE49-F238E27FC236}">
-                <a16:creationId xmlns:a16="http://schemas.microsoft.com/office/drawing/2014/main" id="{05107262-A2D6-B4AD-42BD-1BE18A93BF83}"/>
+                <a16:creationId xmlns:a16="http://schemas.microsoft.com/office/drawing/2014/main" id="{BEDCFAB4-CC27-D5EF-E57B-CE578CABCA65}"/>
               </a:ext>
             </a:extLst>
           </p:cNvPr>
@@ -7267,120 +7391,46 @@
         </p:nvSpPr>
         <p:spPr/>
         <p:txBody>
-          <a:bodyPr>
-            <a:normAutofit fontScale="85000" lnSpcReduction="20000"/>
-          </a:bodyPr>
+          <a:bodyPr/>
           <a:lstStyle/>
           <a:p>
-            <a:r>
-              <a:rPr lang="en-US" dirty="0"/>
-              <a:t>Challenge: Dataset Size</a:t>
-            </a:r>
-          </a:p>
-          <a:p>
-            <a:pPr lvl="1"/>
-            <a:r>
-              <a:rPr lang="en-US" sz="1800" dirty="0"/>
-              <a:t>405,00 images ~ 5 </a:t>
-            </a:r>
-            <a:r>
-              <a:rPr lang="en-US" dirty="0"/>
-              <a:t>GB of Data</a:t>
-            </a:r>
-          </a:p>
-          <a:p>
-            <a:pPr lvl="1"/>
-            <a:r>
-              <a:rPr lang="en-US" dirty="0"/>
-              <a:t>Performing analysis on entire data set was time intensive</a:t>
-            </a:r>
-          </a:p>
-          <a:p>
-            <a:pPr lvl="1"/>
-            <a:r>
-              <a:rPr lang="en-US" u="sng" dirty="0"/>
-              <a:t>Solutions:</a:t>
-            </a:r>
-            <a:r>
-              <a:rPr lang="en-US" dirty="0"/>
-              <a:t> </a:t>
-            </a:r>
-          </a:p>
-          <a:p>
-            <a:pPr lvl="2"/>
-            <a:r>
-              <a:rPr lang="en-US" dirty="0"/>
-              <a:t>Leveraged Distributed Computing from Google </a:t>
-            </a:r>
-            <a:r>
-              <a:rPr lang="en-US" dirty="0" err="1"/>
-              <a:t>Colab</a:t>
-            </a:r>
-            <a:r>
-              <a:rPr lang="en-US" dirty="0"/>
-              <a:t> to access more compute resources</a:t>
-            </a:r>
-          </a:p>
-          <a:p>
-            <a:pPr lvl="2"/>
-            <a:r>
-              <a:rPr lang="en-US" dirty="0"/>
-              <a:t>Down sampled dataset to pass into Poisoning Attack</a:t>
-            </a:r>
-          </a:p>
-          <a:p>
-            <a:r>
-              <a:rPr lang="en-US" dirty="0"/>
-              <a:t>Challenge: Problem Complexity</a:t>
-            </a:r>
-          </a:p>
-          <a:p>
-            <a:pPr lvl="1"/>
-            <a:r>
-              <a:rPr lang="en-US" dirty="0"/>
-              <a:t>Developing adversarial image CNNs is an advance topic not covered in school curriculum</a:t>
-            </a:r>
-          </a:p>
-          <a:p>
-            <a:pPr lvl="1"/>
-            <a:r>
-              <a:rPr lang="en-US" dirty="0"/>
-              <a:t>A lot of time was spent reading research papers to understand problem space</a:t>
-            </a:r>
-          </a:p>
-          <a:p>
-            <a:pPr lvl="1"/>
-            <a:endParaRPr lang="en-US" dirty="0"/>
-          </a:p>
-          <a:p>
-            <a:r>
-              <a:rPr lang="en-US" dirty="0"/>
-              <a:t>Challenge: Very robust Model</a:t>
-            </a:r>
-          </a:p>
-          <a:p>
-            <a:pPr lvl="1"/>
-            <a:r>
-              <a:rPr lang="en-US" dirty="0"/>
-              <a:t>Large dataset for 6 classes creates a model that performs very well</a:t>
-            </a:r>
-          </a:p>
-          <a:p>
-            <a:pPr marL="457200" lvl="1" indent="0">
-              <a:buNone/>
-            </a:pPr>
-            <a:endParaRPr lang="en-US" dirty="0"/>
-          </a:p>
-          <a:p>
-            <a:pPr lvl="1"/>
-            <a:endParaRPr lang="en-US" dirty="0"/>
-          </a:p>
-        </p:txBody>
-      </p:sp>
+            <a:endParaRPr lang="en-US"/>
+          </a:p>
+        </p:txBody>
+      </p:sp>
+      <p:pic>
+        <p:nvPicPr>
+          <p:cNvPr id="5" name="Picture 4">
+            <a:extLst>
+              <a:ext uri="{FF2B5EF4-FFF2-40B4-BE49-F238E27FC236}">
+                <a16:creationId xmlns:a16="http://schemas.microsoft.com/office/drawing/2014/main" id="{61AE84F4-ECCA-43DB-3EE1-BC333C00BFFB}"/>
+              </a:ext>
+            </a:extLst>
+          </p:cNvPr>
+          <p:cNvPicPr>
+            <a:picLocks noChangeAspect="1"/>
+          </p:cNvPicPr>
+          <p:nvPr/>
+        </p:nvPicPr>
+        <p:blipFill>
+          <a:blip r:embed="rId2"/>
+          <a:srcRect l="2760"/>
+          <a:stretch/>
+        </p:blipFill>
+        <p:spPr>
+          <a:xfrm>
+            <a:off x="292477" y="1015775"/>
+            <a:ext cx="11607045" cy="5687219"/>
+          </a:xfrm>
+          <a:prstGeom prst="rect">
+            <a:avLst/>
+          </a:prstGeom>
+        </p:spPr>
+      </p:pic>
     </p:spTree>
     <p:extLst>
       <p:ext uri="{BB962C8B-B14F-4D97-AF65-F5344CB8AC3E}">
-        <p14:creationId xmlns:p14="http://schemas.microsoft.com/office/powerpoint/2010/main" val="990380907"/>
+        <p14:creationId xmlns:p14="http://schemas.microsoft.com/office/powerpoint/2010/main" val="3331907412"/>
       </p:ext>
     </p:extLst>
   </p:cSld>
@@ -7391,6 +7441,129 @@
 </file>
 
 <file path=ppt/slides/slide12.xml><?xml version="1.0" encoding="utf-8"?>
+<p:sld xmlns:a="http://schemas.openxmlformats.org/drawingml/2006/main" xmlns:r="http://schemas.openxmlformats.org/officeDocument/2006/relationships" xmlns:p="http://schemas.openxmlformats.org/presentationml/2006/main">
+  <p:cSld>
+    <p:spTree>
+      <p:nvGrpSpPr>
+        <p:cNvPr id="1" name="">
+          <a:extLst>
+            <a:ext uri="{FF2B5EF4-FFF2-40B4-BE49-F238E27FC236}">
+              <a16:creationId xmlns:a16="http://schemas.microsoft.com/office/drawing/2014/main" id="{F4373755-5C5E-6F32-418E-A69756DD8C6F}"/>
+            </a:ext>
+          </a:extLst>
+        </p:cNvPr>
+        <p:cNvGrpSpPr/>
+        <p:nvPr/>
+      </p:nvGrpSpPr>
+      <p:grpSpPr>
+        <a:xfrm>
+          <a:off x="0" y="0"/>
+          <a:ext cx="0" cy="0"/>
+          <a:chOff x="0" y="0"/>
+          <a:chExt cx="0" cy="0"/>
+        </a:xfrm>
+      </p:grpSpPr>
+      <p:sp>
+        <p:nvSpPr>
+          <p:cNvPr id="2" name="Title 1">
+            <a:extLst>
+              <a:ext uri="{FF2B5EF4-FFF2-40B4-BE49-F238E27FC236}">
+                <a16:creationId xmlns:a16="http://schemas.microsoft.com/office/drawing/2014/main" id="{F71D0766-1ECB-DFA8-379A-84446524F74B}"/>
+              </a:ext>
+            </a:extLst>
+          </p:cNvPr>
+          <p:cNvSpPr>
+            <a:spLocks noGrp="1"/>
+          </p:cNvSpPr>
+          <p:nvPr>
+            <p:ph type="title"/>
+          </p:nvPr>
+        </p:nvSpPr>
+        <p:spPr>
+          <a:xfrm>
+            <a:off x="1650115" y="197793"/>
+            <a:ext cx="9404723" cy="1400530"/>
+          </a:xfrm>
+        </p:spPr>
+        <p:txBody>
+          <a:bodyPr/>
+          <a:lstStyle/>
+          <a:p>
+            <a:r>
+              <a:rPr lang="en-US" dirty="0"/>
+              <a:t>Adversarial								 Clean</a:t>
+            </a:r>
+          </a:p>
+        </p:txBody>
+      </p:sp>
+      <p:sp>
+        <p:nvSpPr>
+          <p:cNvPr id="3" name="Content Placeholder 2">
+            <a:extLst>
+              <a:ext uri="{FF2B5EF4-FFF2-40B4-BE49-F238E27FC236}">
+                <a16:creationId xmlns:a16="http://schemas.microsoft.com/office/drawing/2014/main" id="{7E501FC5-AAFC-E1CE-0B4F-2F9EAD49A802}"/>
+              </a:ext>
+            </a:extLst>
+          </p:cNvPr>
+          <p:cNvSpPr>
+            <a:spLocks noGrp="1"/>
+          </p:cNvSpPr>
+          <p:nvPr>
+            <p:ph idx="1"/>
+          </p:nvPr>
+        </p:nvSpPr>
+        <p:spPr/>
+        <p:txBody>
+          <a:bodyPr/>
+          <a:lstStyle/>
+          <a:p>
+            <a:endParaRPr lang="en-US"/>
+          </a:p>
+        </p:txBody>
+      </p:sp>
+      <p:pic>
+        <p:nvPicPr>
+          <p:cNvPr id="5" name="Picture 4">
+            <a:extLst>
+              <a:ext uri="{FF2B5EF4-FFF2-40B4-BE49-F238E27FC236}">
+                <a16:creationId xmlns:a16="http://schemas.microsoft.com/office/drawing/2014/main" id="{8B231C2C-C52D-5C87-ACBA-7B1C44E2E2F6}"/>
+              </a:ext>
+            </a:extLst>
+          </p:cNvPr>
+          <p:cNvPicPr>
+            <a:picLocks noChangeAspect="1"/>
+          </p:cNvPicPr>
+          <p:nvPr/>
+        </p:nvPicPr>
+        <p:blipFill>
+          <a:blip r:embed="rId2"/>
+          <a:srcRect l="2760"/>
+          <a:stretch/>
+        </p:blipFill>
+        <p:spPr>
+          <a:xfrm>
+            <a:off x="292477" y="1015775"/>
+            <a:ext cx="11607045" cy="5687219"/>
+          </a:xfrm>
+          <a:prstGeom prst="rect">
+            <a:avLst/>
+          </a:prstGeom>
+        </p:spPr>
+      </p:pic>
+    </p:spTree>
+    <p:extLst>
+      <p:ext uri="{BB962C8B-B14F-4D97-AF65-F5344CB8AC3E}">
+        <p14:creationId xmlns:p14="http://schemas.microsoft.com/office/powerpoint/2010/main" val="3181664548"/>
+      </p:ext>
+    </p:extLst>
+  </p:cSld>
+  <p:clrMapOvr>
+    <a:masterClrMapping/>
+  </p:clrMapOvr>
+</p:sld>
+</file>
+
+<file path=ppt/slides/slide13.xml><?xml version="1.0" encoding="utf-8"?>
 <p:sld xmlns:a="http://schemas.openxmlformats.org/drawingml/2006/main" xmlns:r="http://schemas.openxmlformats.org/officeDocument/2006/relationships" xmlns:p="http://schemas.openxmlformats.org/presentationml/2006/main">
   <p:cSld>
     <p:spTree>
@@ -7412,6 +7585,360 @@
           <p:cNvPr id="2" name="Title 1">
             <a:extLst>
               <a:ext uri="{FF2B5EF4-FFF2-40B4-BE49-F238E27FC236}">
+                <a16:creationId xmlns:a16="http://schemas.microsoft.com/office/drawing/2014/main" id="{76FAA7B2-8C67-7265-B58E-825A02942D58}"/>
+              </a:ext>
+            </a:extLst>
+          </p:cNvPr>
+          <p:cNvSpPr>
+            <a:spLocks noGrp="1"/>
+          </p:cNvSpPr>
+          <p:nvPr>
+            <p:ph type="title"/>
+          </p:nvPr>
+        </p:nvSpPr>
+        <p:spPr/>
+        <p:txBody>
+          <a:bodyPr/>
+          <a:lstStyle/>
+          <a:p>
+            <a:r>
+              <a:rPr lang="en-US" dirty="0"/>
+              <a:t>Problems Faced</a:t>
+            </a:r>
+          </a:p>
+        </p:txBody>
+      </p:sp>
+      <p:sp>
+        <p:nvSpPr>
+          <p:cNvPr id="3" name="Content Placeholder 2">
+            <a:extLst>
+              <a:ext uri="{FF2B5EF4-FFF2-40B4-BE49-F238E27FC236}">
+                <a16:creationId xmlns:a16="http://schemas.microsoft.com/office/drawing/2014/main" id="{05107262-A2D6-B4AD-42BD-1BE18A93BF83}"/>
+              </a:ext>
+            </a:extLst>
+          </p:cNvPr>
+          <p:cNvSpPr>
+            <a:spLocks noGrp="1"/>
+          </p:cNvSpPr>
+          <p:nvPr>
+            <p:ph idx="1"/>
+          </p:nvPr>
+        </p:nvSpPr>
+        <p:spPr/>
+        <p:txBody>
+          <a:bodyPr>
+            <a:normAutofit fontScale="85000" lnSpcReduction="20000"/>
+          </a:bodyPr>
+          <a:lstStyle/>
+          <a:p>
+            <a:r>
+              <a:rPr lang="en-US" sz="1800" dirty="0"/>
+              <a:t>Challenge: Dataset Size</a:t>
+            </a:r>
+          </a:p>
+          <a:p>
+            <a:pPr lvl="1"/>
+            <a:r>
+              <a:rPr lang="en-US" sz="1600" dirty="0"/>
+              <a:t>405,00 images ~ 5 GB of Data</a:t>
+            </a:r>
+          </a:p>
+          <a:p>
+            <a:pPr lvl="1"/>
+            <a:r>
+              <a:rPr lang="en-US" sz="1600" dirty="0"/>
+              <a:t>Performing analysis on entire data set was time intensive</a:t>
+            </a:r>
+          </a:p>
+          <a:p>
+            <a:pPr lvl="1"/>
+            <a:r>
+              <a:rPr lang="en-US" sz="1600" u="sng" dirty="0"/>
+              <a:t>Solutions:</a:t>
+            </a:r>
+            <a:r>
+              <a:rPr lang="en-US" sz="1600" dirty="0"/>
+              <a:t> </a:t>
+            </a:r>
+          </a:p>
+          <a:p>
+            <a:pPr lvl="2"/>
+            <a:r>
+              <a:rPr lang="en-US" dirty="0"/>
+              <a:t>Leveraged Distributed Computing from Google </a:t>
+            </a:r>
+            <a:r>
+              <a:rPr lang="en-US" dirty="0" err="1"/>
+              <a:t>Colab</a:t>
+            </a:r>
+            <a:r>
+              <a:rPr lang="en-US" dirty="0"/>
+              <a:t> to access more compute resources</a:t>
+            </a:r>
+          </a:p>
+          <a:p>
+            <a:pPr lvl="2"/>
+            <a:r>
+              <a:rPr lang="en-US" dirty="0"/>
+              <a:t>Down sampled dataset to pass into Poisoning Attack</a:t>
+            </a:r>
+          </a:p>
+          <a:p>
+            <a:r>
+              <a:rPr lang="en-US" sz="1800" dirty="0"/>
+              <a:t>Challenge: Problem Complexity</a:t>
+            </a:r>
+          </a:p>
+          <a:p>
+            <a:pPr lvl="1"/>
+            <a:r>
+              <a:rPr lang="en-US" sz="1600" dirty="0"/>
+              <a:t>Developing adversarial image attacks is an advanced topic not covered in school curriculum</a:t>
+            </a:r>
+          </a:p>
+          <a:p>
+            <a:pPr lvl="1"/>
+            <a:r>
+              <a:rPr lang="en-US" sz="1600" dirty="0"/>
+              <a:t>A lot of time was spent reading research papers to understand problem space</a:t>
+            </a:r>
+          </a:p>
+          <a:p>
+            <a:pPr lvl="1"/>
+            <a:endParaRPr lang="en-US" sz="1600" dirty="0"/>
+          </a:p>
+          <a:p>
+            <a:r>
+              <a:rPr lang="en-US" sz="1800" dirty="0"/>
+              <a:t>Challenge: Very robust Model</a:t>
+            </a:r>
+          </a:p>
+          <a:p>
+            <a:pPr lvl="1"/>
+            <a:r>
+              <a:rPr lang="en-US" sz="1600" dirty="0"/>
+              <a:t>Large dataset for 6 classes creates a model that performs very well</a:t>
+            </a:r>
+          </a:p>
+          <a:p>
+            <a:pPr marL="457200" lvl="1" indent="0">
+              <a:buNone/>
+            </a:pPr>
+            <a:endParaRPr lang="en-US" sz="1600" dirty="0"/>
+          </a:p>
+          <a:p>
+            <a:pPr lvl="1"/>
+            <a:endParaRPr lang="en-US" sz="1600" dirty="0"/>
+          </a:p>
+        </p:txBody>
+      </p:sp>
+    </p:spTree>
+    <p:extLst>
+      <p:ext uri="{BB962C8B-B14F-4D97-AF65-F5344CB8AC3E}">
+        <p14:creationId xmlns:p14="http://schemas.microsoft.com/office/powerpoint/2010/main" val="990380907"/>
+      </p:ext>
+    </p:extLst>
+  </p:cSld>
+  <p:clrMapOvr>
+    <a:masterClrMapping/>
+  </p:clrMapOvr>
+</p:sld>
+</file>
+
+<file path=ppt/slides/slide14.xml><?xml version="1.0" encoding="utf-8"?>
+<p:sld xmlns:a="http://schemas.openxmlformats.org/drawingml/2006/main" xmlns:r="http://schemas.openxmlformats.org/officeDocument/2006/relationships" xmlns:p="http://schemas.openxmlformats.org/presentationml/2006/main">
+  <p:cSld>
+    <p:spTree>
+      <p:nvGrpSpPr>
+        <p:cNvPr id="1" name=""/>
+        <p:cNvGrpSpPr/>
+        <p:nvPr/>
+      </p:nvGrpSpPr>
+      <p:grpSpPr>
+        <a:xfrm>
+          <a:off x="0" y="0"/>
+          <a:ext cx="0" cy="0"/>
+          <a:chOff x="0" y="0"/>
+          <a:chExt cx="0" cy="0"/>
+        </a:xfrm>
+      </p:grpSpPr>
+      <p:sp>
+        <p:nvSpPr>
+          <p:cNvPr id="2" name="Title 1">
+            <a:extLst>
+              <a:ext uri="{FF2B5EF4-FFF2-40B4-BE49-F238E27FC236}">
+                <a16:creationId xmlns:a16="http://schemas.microsoft.com/office/drawing/2014/main" id="{6E92DF3D-7F34-944D-A6BC-D65CBCD94721}"/>
+              </a:ext>
+            </a:extLst>
+          </p:cNvPr>
+          <p:cNvSpPr>
+            <a:spLocks noGrp="1"/>
+          </p:cNvSpPr>
+          <p:nvPr>
+            <p:ph type="title"/>
+          </p:nvPr>
+        </p:nvSpPr>
+        <p:spPr/>
+        <p:txBody>
+          <a:bodyPr/>
+          <a:lstStyle/>
+          <a:p>
+            <a:r>
+              <a:rPr lang="en-US" dirty="0"/>
+              <a:t>Libraries Used</a:t>
+            </a:r>
+          </a:p>
+        </p:txBody>
+      </p:sp>
+      <p:sp>
+        <p:nvSpPr>
+          <p:cNvPr id="3" name="Content Placeholder 2">
+            <a:extLst>
+              <a:ext uri="{FF2B5EF4-FFF2-40B4-BE49-F238E27FC236}">
+                <a16:creationId xmlns:a16="http://schemas.microsoft.com/office/drawing/2014/main" id="{25274498-7608-1285-60C1-AA924DEDF17C}"/>
+              </a:ext>
+            </a:extLst>
+          </p:cNvPr>
+          <p:cNvSpPr>
+            <a:spLocks noGrp="1"/>
+          </p:cNvSpPr>
+          <p:nvPr>
+            <p:ph idx="1"/>
+          </p:nvPr>
+        </p:nvSpPr>
+        <p:spPr>
+          <a:xfrm>
+            <a:off x="1104293" y="1437283"/>
+            <a:ext cx="8946541" cy="4195481"/>
+          </a:xfrm>
+        </p:spPr>
+        <p:txBody>
+          <a:bodyPr>
+            <a:normAutofit lnSpcReduction="10000"/>
+          </a:bodyPr>
+          <a:lstStyle/>
+          <a:p>
+            <a:r>
+              <a:rPr lang="en-US" dirty="0"/>
+              <a:t>Primary Libraries:</a:t>
+            </a:r>
+          </a:p>
+          <a:p>
+            <a:pPr lvl="1"/>
+            <a:r>
+              <a:rPr lang="en-US" dirty="0"/>
+              <a:t>TensorFlow </a:t>
+            </a:r>
+          </a:p>
+          <a:p>
+            <a:pPr lvl="1"/>
+            <a:r>
+              <a:rPr lang="en-US" dirty="0" err="1"/>
+              <a:t>Keras</a:t>
+            </a:r>
+            <a:endParaRPr lang="en-US" dirty="0"/>
+          </a:p>
+          <a:p>
+            <a:pPr lvl="1"/>
+            <a:r>
+              <a:rPr lang="en-US" dirty="0" err="1"/>
+              <a:t>Sklearn</a:t>
+            </a:r>
+            <a:endParaRPr lang="en-US" dirty="0"/>
+          </a:p>
+          <a:p>
+            <a:pPr lvl="1"/>
+            <a:r>
+              <a:rPr lang="en-US" dirty="0"/>
+              <a:t>Google </a:t>
+            </a:r>
+            <a:r>
+              <a:rPr lang="en-US" dirty="0" err="1"/>
+              <a:t>Colab</a:t>
+            </a:r>
+            <a:endParaRPr lang="en-US" dirty="0"/>
+          </a:p>
+          <a:p>
+            <a:pPr lvl="1"/>
+            <a:r>
+              <a:rPr lang="en-US" dirty="0" err="1"/>
+              <a:t>Numpy</a:t>
+            </a:r>
+            <a:endParaRPr lang="en-US" dirty="0"/>
+          </a:p>
+          <a:p>
+            <a:r>
+              <a:rPr lang="en-US" dirty="0"/>
+              <a:t>Support Libraries</a:t>
+            </a:r>
+          </a:p>
+          <a:p>
+            <a:pPr lvl="1"/>
+            <a:r>
+              <a:rPr lang="en-US" dirty="0"/>
+              <a:t>Pandas</a:t>
+            </a:r>
+          </a:p>
+          <a:p>
+            <a:r>
+              <a:rPr lang="en-US" dirty="0"/>
+              <a:t>References:</a:t>
+            </a:r>
+          </a:p>
+          <a:p>
+            <a:pPr lvl="1"/>
+            <a:r>
+              <a:rPr lang="en-US" dirty="0">
+                <a:hlinkClick r:id="rId2"/>
+              </a:rPr>
+              <a:t>https://arxiv.org/abs/1610.02391</a:t>
+            </a:r>
+            <a:endParaRPr lang="en-US" dirty="0"/>
+          </a:p>
+          <a:p>
+            <a:pPr lvl="1"/>
+            <a:r>
+              <a:rPr lang="en-US" dirty="0"/>
+              <a:t>https://arxiv.org/abs/1610.09585</a:t>
+            </a:r>
+          </a:p>
+        </p:txBody>
+      </p:sp>
+    </p:spTree>
+    <p:extLst>
+      <p:ext uri="{BB962C8B-B14F-4D97-AF65-F5344CB8AC3E}">
+        <p14:creationId xmlns:p14="http://schemas.microsoft.com/office/powerpoint/2010/main" val="1745899327"/>
+      </p:ext>
+    </p:extLst>
+  </p:cSld>
+  <p:clrMapOvr>
+    <a:masterClrMapping/>
+  </p:clrMapOvr>
+</p:sld>
+</file>
+
+<file path=ppt/slides/slide15.xml><?xml version="1.0" encoding="utf-8"?>
+<p:sld xmlns:a="http://schemas.openxmlformats.org/drawingml/2006/main" xmlns:r="http://schemas.openxmlformats.org/officeDocument/2006/relationships" xmlns:p="http://schemas.openxmlformats.org/presentationml/2006/main">
+  <p:cSld>
+    <p:spTree>
+      <p:nvGrpSpPr>
+        <p:cNvPr id="1" name=""/>
+        <p:cNvGrpSpPr/>
+        <p:nvPr/>
+      </p:nvGrpSpPr>
+      <p:grpSpPr>
+        <a:xfrm>
+          <a:off x="0" y="0"/>
+          <a:ext cx="0" cy="0"/>
+          <a:chOff x="0" y="0"/>
+          <a:chExt cx="0" cy="0"/>
+        </a:xfrm>
+      </p:grpSpPr>
+      <p:sp>
+        <p:nvSpPr>
+          <p:cNvPr id="2" name="Title 1">
+            <a:extLst>
+              <a:ext uri="{FF2B5EF4-FFF2-40B4-BE49-F238E27FC236}">
                 <a16:creationId xmlns:a16="http://schemas.microsoft.com/office/drawing/2014/main" id="{A59F1A69-1FCD-0BB4-5343-338E2906B1D7}"/>
               </a:ext>
             </a:extLst>
@@ -7464,6 +7991,119 @@
     <p:extLst>
       <p:ext uri="{BB962C8B-B14F-4D97-AF65-F5344CB8AC3E}">
         <p14:creationId xmlns:p14="http://schemas.microsoft.com/office/powerpoint/2010/main" val="2131798147"/>
+      </p:ext>
+    </p:extLst>
+  </p:cSld>
+  <p:clrMapOvr>
+    <a:masterClrMapping/>
+  </p:clrMapOvr>
+</p:sld>
+</file>
+
+<file path=ppt/slides/slide16.xml><?xml version="1.0" encoding="utf-8"?>
+<p:sld xmlns:a="http://schemas.openxmlformats.org/drawingml/2006/main" xmlns:r="http://schemas.openxmlformats.org/officeDocument/2006/relationships" xmlns:p="http://schemas.openxmlformats.org/presentationml/2006/main">
+  <p:cSld>
+    <p:spTree>
+      <p:nvGrpSpPr>
+        <p:cNvPr id="1" name=""/>
+        <p:cNvGrpSpPr/>
+        <p:nvPr/>
+      </p:nvGrpSpPr>
+      <p:grpSpPr>
+        <a:xfrm>
+          <a:off x="0" y="0"/>
+          <a:ext cx="0" cy="0"/>
+          <a:chOff x="0" y="0"/>
+          <a:chExt cx="0" cy="0"/>
+        </a:xfrm>
+      </p:grpSpPr>
+      <p:sp>
+        <p:nvSpPr>
+          <p:cNvPr id="2" name="Title 1">
+            <a:extLst>
+              <a:ext uri="{FF2B5EF4-FFF2-40B4-BE49-F238E27FC236}">
+                <a16:creationId xmlns:a16="http://schemas.microsoft.com/office/drawing/2014/main" id="{9991324C-74DE-AE80-1FDE-39CB25C9C8AC}"/>
+              </a:ext>
+            </a:extLst>
+          </p:cNvPr>
+          <p:cNvSpPr>
+            <a:spLocks noGrp="1"/>
+          </p:cNvSpPr>
+          <p:nvPr>
+            <p:ph type="title"/>
+          </p:nvPr>
+        </p:nvSpPr>
+        <p:spPr/>
+        <p:txBody>
+          <a:bodyPr/>
+          <a:lstStyle/>
+          <a:p>
+            <a:r>
+              <a:rPr lang="en-US" dirty="0"/>
+              <a:t>Reference: Simple Model</a:t>
+            </a:r>
+          </a:p>
+        </p:txBody>
+      </p:sp>
+      <p:sp>
+        <p:nvSpPr>
+          <p:cNvPr id="3" name="Content Placeholder 2">
+            <a:extLst>
+              <a:ext uri="{FF2B5EF4-FFF2-40B4-BE49-F238E27FC236}">
+                <a16:creationId xmlns:a16="http://schemas.microsoft.com/office/drawing/2014/main" id="{982F82DF-FF25-F15A-39B8-F9C9191EB578}"/>
+              </a:ext>
+            </a:extLst>
+          </p:cNvPr>
+          <p:cNvSpPr>
+            <a:spLocks noGrp="1"/>
+          </p:cNvSpPr>
+          <p:nvPr>
+            <p:ph idx="1"/>
+          </p:nvPr>
+        </p:nvSpPr>
+        <p:spPr/>
+        <p:txBody>
+          <a:bodyPr/>
+          <a:lstStyle/>
+          <a:p>
+            <a:endParaRPr lang="en-US"/>
+          </a:p>
+        </p:txBody>
+      </p:sp>
+      <p:pic>
+        <p:nvPicPr>
+          <p:cNvPr id="5" name="Picture 4">
+            <a:extLst>
+              <a:ext uri="{FF2B5EF4-FFF2-40B4-BE49-F238E27FC236}">
+                <a16:creationId xmlns:a16="http://schemas.microsoft.com/office/drawing/2014/main" id="{8D8406EA-E967-EFF7-B5A8-C60F2D881ED2}"/>
+              </a:ext>
+            </a:extLst>
+          </p:cNvPr>
+          <p:cNvPicPr>
+            <a:picLocks noChangeAspect="1"/>
+          </p:cNvPicPr>
+          <p:nvPr/>
+        </p:nvPicPr>
+        <p:blipFill>
+          <a:blip r:embed="rId2"/>
+          <a:stretch>
+            <a:fillRect/>
+          </a:stretch>
+        </p:blipFill>
+        <p:spPr>
+          <a:xfrm>
+            <a:off x="1790099" y="1739795"/>
+            <a:ext cx="8611802" cy="4143953"/>
+          </a:xfrm>
+          <a:prstGeom prst="rect">
+            <a:avLst/>
+          </a:prstGeom>
+        </p:spPr>
+      </p:pic>
+    </p:spTree>
+    <p:extLst>
+      <p:ext uri="{BB962C8B-B14F-4D97-AF65-F5344CB8AC3E}">
+        <p14:creationId xmlns:p14="http://schemas.microsoft.com/office/powerpoint/2010/main" val="2096261912"/>
       </p:ext>
     </p:extLst>
   </p:cSld>
@@ -7781,7 +8421,7 @@
           <a:p>
             <a:r>
               <a:rPr lang="en-US" dirty="0"/>
-              <a:t>Initial Insights /Modeling Approach</a:t>
+              <a:t>Initial Insights / Modeling Approach</a:t>
             </a:r>
           </a:p>
           <a:p>
@@ -7859,12 +8499,12 @@
         <p:spPr>
           <a:xfrm>
             <a:off x="646113" y="1331259"/>
-            <a:ext cx="8946541" cy="4195481"/>
+            <a:ext cx="9404350" cy="4920685"/>
           </a:xfrm>
         </p:spPr>
         <p:txBody>
           <a:bodyPr>
-            <a:normAutofit fontScale="77500" lnSpcReduction="20000"/>
+            <a:normAutofit lnSpcReduction="10000"/>
           </a:bodyPr>
           <a:lstStyle/>
           <a:p>
@@ -7890,7 +8530,7 @@
             </a:pPr>
             <a:r>
               <a:rPr lang="en-US" b="0" dirty="0"/>
-              <a:t>Generative Adversarial Networks (GANs) use machine learning algorithms to provide inputs that are designed to fool AI algorithms. These methods of attack are designed to circumnavigate traditional cybersecurity methods by masking as legitimate inputs which ultimately degrade model performance</a:t>
+              <a:t>Adversarial attacks use machine learning algorithms to provide inputs that are designed to fool AI algorithms. These methods of attack are designed to circumnavigate traditional cybersecurity methods by masking as legitimate inputs which ultimately return incorrect predictions.</a:t>
             </a:r>
           </a:p>
           <a:p>
@@ -7906,14 +8546,14 @@
             </a:pPr>
             <a:r>
               <a:rPr lang="en-US" b="0" dirty="0"/>
-              <a:t>Develop a GAN attack method that poisons a CNN multi-class classifier, causing two scenarios</a:t>
+              <a:t>Develop an attack method that poisons a CNN multi-class classifier, causing one of two scenarios</a:t>
             </a:r>
           </a:p>
           <a:p>
             <a:pPr marL="569214" lvl="1"/>
             <a:r>
               <a:rPr lang="en-US" dirty="0"/>
-              <a:t>(A) GAN Attack disrupts the intended classification distribution across all classes</a:t>
+              <a:t>(A) Attack disrupts the intended classification distribution across all classes</a:t>
             </a:r>
           </a:p>
           <a:p>
@@ -7924,17 +8564,9 @@
             </a:r>
           </a:p>
           <a:p>
-            <a:pPr marL="285750" indent="-285750">
-              <a:buFont typeface="Arial" panose="020B0604020202020204" pitchFamily="34" charset="0"/>
-              <a:buChar char="•"/>
+            <a:pPr marL="283464" lvl="1" indent="0">
+              <a:buNone/>
             </a:pPr>
-            <a:r>
-              <a:rPr lang="en-US" b="0" dirty="0"/>
-              <a:t>Develop models that identify when a GAN Attack occurs, and which data is impacted</a:t>
-            </a:r>
-          </a:p>
-          <a:p>
-            <a:pPr marL="569214" lvl="1"/>
             <a:endParaRPr lang="en-US" dirty="0"/>
           </a:p>
           <a:p>
@@ -8087,15 +8719,7 @@
           <a:p>
             <a:r>
               <a:rPr lang="en-US" sz="1700" dirty="0"/>
-              <a:t>Data Source: </a:t>
-            </a:r>
-            <a:r>
-              <a:rPr lang="en-US" sz="1700" dirty="0" err="1"/>
-              <a:t>DeepSat</a:t>
-            </a:r>
-            <a:r>
-              <a:rPr lang="en-US" sz="1700" dirty="0"/>
-              <a:t> (SAT-6) Airborne Dataset</a:t>
+              <a:t>Data Source: DEEPSAT-6 (SAT-6) Airborne Dataset</a:t>
             </a:r>
           </a:p>
           <a:p>
@@ -9807,10 +10431,55 @@
         </p:nvSpPr>
         <p:spPr/>
         <p:txBody>
-          <a:bodyPr/>
+          <a:bodyPr>
+            <a:normAutofit lnSpcReduction="10000"/>
+          </a:bodyPr>
           <a:lstStyle/>
           <a:p>
-            <a:endParaRPr lang="en-US"/>
+            <a:r>
+              <a:rPr lang="en-US" dirty="0"/>
+              <a:t>Testing accuracy decreased from 94% to 53% in initial modeling efforts with an epsilon value of 1.</a:t>
+            </a:r>
+          </a:p>
+          <a:p>
+            <a:pPr lvl="1"/>
+            <a:r>
+              <a:rPr lang="en-US" dirty="0"/>
+              <a:t>Epsilon value is the ‘perturbation’ scaling factor; higher epsilon values return ‘more poisoned’ data. Effective attacks use a low enough epsilon to remain undetected while still disrupting model performance.</a:t>
+            </a:r>
+          </a:p>
+          <a:p>
+            <a:r>
+              <a:rPr lang="en-US" dirty="0"/>
+              <a:t>With a more robust model, previously shown curve reflects accuracy vs epsilon.</a:t>
+            </a:r>
+          </a:p>
+          <a:p>
+            <a:endParaRPr lang="en-US" dirty="0"/>
+          </a:p>
+          <a:p>
+            <a:r>
+              <a:rPr lang="en-US" sz="1800" dirty="0"/>
+              <a:t>Adversarial Mean: [113.3134  115.37391 114.29599 108.61201]</a:t>
+            </a:r>
+          </a:p>
+          <a:p>
+            <a:r>
+              <a:rPr lang="en-US" sz="1800" dirty="0"/>
+              <a:t>Adversarial Std: [54.51268  47.67143  36.985027 76.23391 ]</a:t>
+            </a:r>
+          </a:p>
+          <a:p>
+            <a:r>
+              <a:rPr lang="en-US" sz="1800" dirty="0"/>
+              <a:t>Clean Mean: [113.27197321 115.36691607 114.38267347 109.08337219]</a:t>
+            </a:r>
+          </a:p>
+          <a:p>
+            <a:r>
+              <a:rPr lang="en-US" sz="1800" dirty="0"/>
+              <a:t>Clean Std: [54.65728377 47.75091567 37.07641239 76.38291389]</a:t>
+            </a:r>
           </a:p>
         </p:txBody>
       </p:sp>
